--- a/企画書/合体ロボット/合体ロボット.pptx
+++ b/企画書/合体ロボット/合体ロボット.pptx
@@ -104,6 +104,11 @@
       </a:defRPr>
     </a:lvl9pPr>
   </p:defaultTextStyle>
+  <p:extLst>
+    <p:ext uri="{EFAFB233-063F-42B5-8137-9DF3F51BA10A}">
+      <p15:sldGuideLst xmlns:p15="http://schemas.microsoft.com/office/powerpoint/2012/main"/>
+    </p:ext>
+  </p:extLst>
 </p:presentation>
 </file>
 
@@ -254,7 +259,7 @@
           <a:p>
             <a:fld id="{B1AE73C6-C5F9-4D7E-8B95-84ABFE514BE1}" type="datetimeFigureOut">
               <a:rPr kumimoji="1" lang="ja-JP" altLang="en-US" smtClean="0"/>
-              <a:t>2023/11/4</a:t>
+              <a:t>2023/11/6</a:t>
             </a:fld>
             <a:endParaRPr kumimoji="1" lang="ja-JP" altLang="en-US"/>
           </a:p>
@@ -484,7 +489,7 @@
           <a:p>
             <a:fld id="{B1AE73C6-C5F9-4D7E-8B95-84ABFE514BE1}" type="datetimeFigureOut">
               <a:rPr kumimoji="1" lang="ja-JP" altLang="en-US" smtClean="0"/>
-              <a:t>2023/11/4</a:t>
+              <a:t>2023/11/6</a:t>
             </a:fld>
             <a:endParaRPr kumimoji="1" lang="ja-JP" altLang="en-US"/>
           </a:p>
@@ -724,7 +729,7 @@
           <a:p>
             <a:fld id="{B1AE73C6-C5F9-4D7E-8B95-84ABFE514BE1}" type="datetimeFigureOut">
               <a:rPr kumimoji="1" lang="ja-JP" altLang="en-US" smtClean="0"/>
-              <a:t>2023/11/4</a:t>
+              <a:t>2023/11/6</a:t>
             </a:fld>
             <a:endParaRPr kumimoji="1" lang="ja-JP" altLang="en-US"/>
           </a:p>
@@ -954,7 +959,7 @@
           <a:p>
             <a:fld id="{B1AE73C6-C5F9-4D7E-8B95-84ABFE514BE1}" type="datetimeFigureOut">
               <a:rPr kumimoji="1" lang="ja-JP" altLang="en-US" smtClean="0"/>
-              <a:t>2023/11/4</a:t>
+              <a:t>2023/11/6</a:t>
             </a:fld>
             <a:endParaRPr kumimoji="1" lang="ja-JP" altLang="en-US"/>
           </a:p>
@@ -1229,7 +1234,7 @@
           <a:p>
             <a:fld id="{B1AE73C6-C5F9-4D7E-8B95-84ABFE514BE1}" type="datetimeFigureOut">
               <a:rPr kumimoji="1" lang="ja-JP" altLang="en-US" smtClean="0"/>
-              <a:t>2023/11/4</a:t>
+              <a:t>2023/11/6</a:t>
             </a:fld>
             <a:endParaRPr kumimoji="1" lang="ja-JP" altLang="en-US"/>
           </a:p>
@@ -1558,7 +1563,7 @@
           <a:p>
             <a:fld id="{B1AE73C6-C5F9-4D7E-8B95-84ABFE514BE1}" type="datetimeFigureOut">
               <a:rPr kumimoji="1" lang="ja-JP" altLang="en-US" smtClean="0"/>
-              <a:t>2023/11/4</a:t>
+              <a:t>2023/11/6</a:t>
             </a:fld>
             <a:endParaRPr kumimoji="1" lang="ja-JP" altLang="en-US"/>
           </a:p>
@@ -2034,7 +2039,7 @@
           <a:p>
             <a:fld id="{B1AE73C6-C5F9-4D7E-8B95-84ABFE514BE1}" type="datetimeFigureOut">
               <a:rPr kumimoji="1" lang="ja-JP" altLang="en-US" smtClean="0"/>
-              <a:t>2023/11/4</a:t>
+              <a:t>2023/11/6</a:t>
             </a:fld>
             <a:endParaRPr kumimoji="1" lang="ja-JP" altLang="en-US"/>
           </a:p>
@@ -2175,7 +2180,7 @@
           <a:p>
             <a:fld id="{B1AE73C6-C5F9-4D7E-8B95-84ABFE514BE1}" type="datetimeFigureOut">
               <a:rPr kumimoji="1" lang="ja-JP" altLang="en-US" smtClean="0"/>
-              <a:t>2023/11/4</a:t>
+              <a:t>2023/11/6</a:t>
             </a:fld>
             <a:endParaRPr kumimoji="1" lang="ja-JP" altLang="en-US"/>
           </a:p>
@@ -2288,7 +2293,7 @@
           <a:p>
             <a:fld id="{B1AE73C6-C5F9-4D7E-8B95-84ABFE514BE1}" type="datetimeFigureOut">
               <a:rPr kumimoji="1" lang="ja-JP" altLang="en-US" smtClean="0"/>
-              <a:t>2023/11/4</a:t>
+              <a:t>2023/11/6</a:t>
             </a:fld>
             <a:endParaRPr kumimoji="1" lang="ja-JP" altLang="en-US"/>
           </a:p>
@@ -2631,7 +2636,7 @@
           <a:p>
             <a:fld id="{B1AE73C6-C5F9-4D7E-8B95-84ABFE514BE1}" type="datetimeFigureOut">
               <a:rPr kumimoji="1" lang="ja-JP" altLang="en-US" smtClean="0"/>
-              <a:t>2023/11/4</a:t>
+              <a:t>2023/11/6</a:t>
             </a:fld>
             <a:endParaRPr kumimoji="1" lang="ja-JP" altLang="en-US"/>
           </a:p>
@@ -2919,7 +2924,7 @@
           <a:p>
             <a:fld id="{B1AE73C6-C5F9-4D7E-8B95-84ABFE514BE1}" type="datetimeFigureOut">
               <a:rPr kumimoji="1" lang="ja-JP" altLang="en-US" smtClean="0"/>
-              <a:t>2023/11/4</a:t>
+              <a:t>2023/11/6</a:t>
             </a:fld>
             <a:endParaRPr kumimoji="1" lang="ja-JP" altLang="en-US"/>
           </a:p>
@@ -3192,7 +3197,7 @@
           <a:p>
             <a:fld id="{B1AE73C6-C5F9-4D7E-8B95-84ABFE514BE1}" type="datetimeFigureOut">
               <a:rPr kumimoji="1" lang="ja-JP" altLang="en-US" smtClean="0"/>
-              <a:t>2023/11/4</a:t>
+              <a:t>2023/11/6</a:t>
             </a:fld>
             <a:endParaRPr kumimoji="1" lang="ja-JP" altLang="en-US"/>
           </a:p>
@@ -3597,30 +3602,16 @@
   <p:cSld>
     <p:bg>
       <p:bgPr>
-        <a:gradFill flip="none" rotWithShape="1">
-          <a:gsLst>
-            <a:gs pos="0">
-              <a:schemeClr val="accent5">
-                <a:alpha val="50000"/>
-                <a:lumMod val="70000"/>
-              </a:schemeClr>
-            </a:gs>
-            <a:gs pos="48000">
-              <a:schemeClr val="accent5">
-                <a:lumMod val="97000"/>
-                <a:lumOff val="3000"/>
-              </a:schemeClr>
-            </a:gs>
-            <a:gs pos="100000">
-              <a:schemeClr val="accent5">
-                <a:lumMod val="60000"/>
-                <a:lumOff val="40000"/>
-              </a:schemeClr>
-            </a:gs>
-          </a:gsLst>
-          <a:lin ang="5400000" scaled="1"/>
-          <a:tileRect/>
-        </a:gradFill>
+        <a:blipFill dpi="0" rotWithShape="1">
+          <a:blip r:embed="rId2">
+            <a:alphaModFix amt="32000"/>
+            <a:lum/>
+          </a:blip>
+          <a:srcRect/>
+          <a:stretch>
+            <a:fillRect l="-78000" r="-78000"/>
+          </a:stretch>
+        </a:blipFill>
         <a:effectLst/>
       </p:bgPr>
     </p:bg>
@@ -3638,6 +3629,63 @@
           <a:chExt cx="0" cy="0"/>
         </a:xfrm>
       </p:grpSpPr>
+      <p:sp>
+        <p:nvSpPr>
+          <p:cNvPr id="18" name="正方形/長方形 17">
+            <a:extLst>
+              <a:ext uri="{FF2B5EF4-FFF2-40B4-BE49-F238E27FC236}">
+                <a16:creationId xmlns:a16="http://schemas.microsoft.com/office/drawing/2014/main" id="{C58E9E8F-FA68-4EB1-B4A2-E4D424086860}"/>
+              </a:ext>
+            </a:extLst>
+          </p:cNvPr>
+          <p:cNvSpPr/>
+          <p:nvPr/>
+        </p:nvSpPr>
+        <p:spPr>
+          <a:xfrm>
+            <a:off x="360944" y="7813902"/>
+            <a:ext cx="6136105" cy="2041249"/>
+          </a:xfrm>
+          <a:prstGeom prst="rect">
+            <a:avLst/>
+          </a:prstGeom>
+          <a:solidFill>
+            <a:schemeClr val="tx1">
+              <a:alpha val="20000"/>
+            </a:schemeClr>
+          </a:solidFill>
+          <a:ln>
+            <a:noFill/>
+          </a:ln>
+        </p:spPr>
+        <p:style>
+          <a:lnRef idx="2">
+            <a:schemeClr val="accent1">
+              <a:shade val="50000"/>
+            </a:schemeClr>
+          </a:lnRef>
+          <a:fillRef idx="1">
+            <a:schemeClr val="accent1"/>
+          </a:fillRef>
+          <a:effectRef idx="0">
+            <a:schemeClr val="accent1"/>
+          </a:effectRef>
+          <a:fontRef idx="minor">
+            <a:schemeClr val="lt1"/>
+          </a:fontRef>
+        </p:style>
+        <p:txBody>
+          <a:bodyPr rtlCol="0" anchor="ctr"/>
+          <a:lstStyle/>
+          <a:p>
+            <a:pPr algn="ctr"/>
+            <a:endParaRPr kumimoji="1" lang="ja-JP" altLang="en-US">
+              <a:latin typeface="HGP創英角ｺﾞｼｯｸUB" panose="020B0900000000000000" pitchFamily="50" charset="-128"/>
+              <a:ea typeface="HGP創英角ｺﾞｼｯｸUB" panose="020B0900000000000000" pitchFamily="50" charset="-128"/>
+            </a:endParaRPr>
+          </a:p>
+        </p:txBody>
+      </p:sp>
       <p:sp>
         <p:nvSpPr>
           <p:cNvPr id="2" name="タイトル 1">
@@ -3778,6 +3826,14 @@
           <a:prstGeom prst="rect">
             <a:avLst/>
           </a:prstGeom>
+          <a:solidFill>
+            <a:schemeClr val="tx1">
+              <a:alpha val="20000"/>
+            </a:schemeClr>
+          </a:solidFill>
+          <a:ln>
+            <a:noFill/>
+          </a:ln>
         </p:spPr>
         <p:style>
           <a:lnRef idx="2">
@@ -3806,10 +3862,10 @@
       </p:sp>
       <p:sp>
         <p:nvSpPr>
-          <p:cNvPr id="6" name="四角形: 角を丸くする 5">
-            <a:extLst>
-              <a:ext uri="{FF2B5EF4-FFF2-40B4-BE49-F238E27FC236}">
-                <a16:creationId xmlns:a16="http://schemas.microsoft.com/office/drawing/2014/main" id="{BC96EB8A-9573-4545-80AB-E00C3143DD54}"/>
+          <p:cNvPr id="11" name="正方形/長方形 10">
+            <a:extLst>
+              <a:ext uri="{FF2B5EF4-FFF2-40B4-BE49-F238E27FC236}">
+                <a16:creationId xmlns:a16="http://schemas.microsoft.com/office/drawing/2014/main" id="{AB314A84-01CB-4587-9B18-CD5C403F96ED}"/>
               </a:ext>
             </a:extLst>
           </p:cNvPr>
@@ -3818,15 +3874,20 @@
         </p:nvSpPr>
         <p:spPr>
           <a:xfrm>
-            <a:off x="2009273" y="1053286"/>
-            <a:ext cx="2839453" cy="405655"/>
+            <a:off x="360945" y="4384011"/>
+            <a:ext cx="6136105" cy="3305736"/>
           </a:xfrm>
-          <a:prstGeom prst="roundRect">
+          <a:prstGeom prst="rect">
             <a:avLst/>
           </a:prstGeom>
           <a:solidFill>
-            <a:schemeClr val="accent4"/>
+            <a:schemeClr val="tx1">
+              <a:alpha val="20000"/>
+            </a:schemeClr>
           </a:solidFill>
+          <a:ln>
+            <a:noFill/>
+          </a:ln>
         </p:spPr>
         <p:style>
           <a:lnRef idx="2">
@@ -3849,25 +3910,19 @@
           <a:lstStyle/>
           <a:p>
             <a:pPr algn="ctr"/>
-            <a:r>
-              <a:rPr kumimoji="1" lang="ja-JP" altLang="en-US" sz="2400" b="1" dirty="0">
-                <a:solidFill>
-                  <a:schemeClr val="tx1"/>
-                </a:solidFill>
-                <a:latin typeface="HGP創英角ﾎﾟｯﾌﾟ体" panose="040B0A00000000000000" pitchFamily="50" charset="-128"/>
-                <a:ea typeface="HGP創英角ﾎﾟｯﾌﾟ体" panose="040B0A00000000000000" pitchFamily="50" charset="-128"/>
-              </a:rPr>
-              <a:t>個人プレイ</a:t>
-            </a:r>
-          </a:p>
-        </p:txBody>
-      </p:sp>
-      <p:sp>
-        <p:nvSpPr>
-          <p:cNvPr id="8" name="四角形: 対角を切り取る 7">
-            <a:extLst>
-              <a:ext uri="{FF2B5EF4-FFF2-40B4-BE49-F238E27FC236}">
-                <a16:creationId xmlns:a16="http://schemas.microsoft.com/office/drawing/2014/main" id="{B816CD12-E3E6-4539-B80B-56B44EDCF0A7}"/>
+            <a:endParaRPr kumimoji="1" lang="ja-JP" altLang="en-US">
+              <a:latin typeface="HGP創英角ｺﾞｼｯｸUB" panose="020B0900000000000000" pitchFamily="50" charset="-128"/>
+              <a:ea typeface="HGP創英角ｺﾞｼｯｸUB" panose="020B0900000000000000" pitchFamily="50" charset="-128"/>
+            </a:endParaRPr>
+          </a:p>
+        </p:txBody>
+      </p:sp>
+      <p:sp>
+        <p:nvSpPr>
+          <p:cNvPr id="13" name="四角形: 対角を切り取る 12">
+            <a:extLst>
+              <a:ext uri="{FF2B5EF4-FFF2-40B4-BE49-F238E27FC236}">
+                <a16:creationId xmlns:a16="http://schemas.microsoft.com/office/drawing/2014/main" id="{55CF9390-85A3-4B86-9A6A-6416981CD63C}"/>
               </a:ext>
             </a:extLst>
           </p:cNvPr>
@@ -3876,12 +3931,30 @@
         </p:nvSpPr>
         <p:spPr>
           <a:xfrm>
-            <a:off x="589547" y="1664381"/>
-            <a:ext cx="2839453" cy="1024813"/>
+            <a:off x="589547" y="5102556"/>
+            <a:ext cx="2839453" cy="862041"/>
           </a:xfrm>
           <a:prstGeom prst="snip2DiagRect">
-            <a:avLst/>
+            <a:avLst>
+              <a:gd name="adj1" fmla="val 0"/>
+              <a:gd name="adj2" fmla="val 0"/>
+            </a:avLst>
           </a:prstGeom>
+          <a:solidFill>
+            <a:srgbClr val="CCECFF"/>
+          </a:solidFill>
+          <a:ln w="25400">
+            <a:solidFill>
+              <a:schemeClr val="tx1"/>
+            </a:solidFill>
+          </a:ln>
+          <a:effectLst>
+            <a:outerShdw blurRad="50800" dist="38100" dir="2700000" algn="tl" rotWithShape="0">
+              <a:prstClr val="black">
+                <a:alpha val="40000"/>
+              </a:prstClr>
+            </a:outerShdw>
+          </a:effectLst>
         </p:spPr>
         <p:style>
           <a:lnRef idx="3">
@@ -3904,332 +3977,69 @@
             <a:pPr algn="ctr"/>
             <a:r>
               <a:rPr kumimoji="1" lang="ja-JP" altLang="en-US" sz="1600" dirty="0">
-                <a:latin typeface="BIZ UDゴシック" panose="020B0400000000000000" pitchFamily="49" charset="-128"/>
-                <a:ea typeface="BIZ UDゴシック" panose="020B0400000000000000" pitchFamily="49" charset="-128"/>
+                <a:effectLst>
+                  <a:glow rad="76200">
+                    <a:schemeClr val="tx1"/>
+                  </a:glow>
+                </a:effectLst>
+                <a:latin typeface="HGP創英角ｺﾞｼｯｸUB" panose="020B0900000000000000" pitchFamily="50" charset="-128"/>
+                <a:ea typeface="HGP創英角ｺﾞｼｯｸUB" panose="020B0900000000000000" pitchFamily="50" charset="-128"/>
               </a:rPr>
-              <a:t>マップに散らばったアイテムで</a:t>
-            </a:r>
+              <a:t>それぞれが巨大ロボットの</a:t>
+            </a:r>
+            <a:endParaRPr kumimoji="1" lang="en-US" altLang="ja-JP" sz="1600" dirty="0">
+              <a:effectLst>
+                <a:glow rad="76200">
+                  <a:schemeClr val="tx1"/>
+                </a:glow>
+              </a:effectLst>
+              <a:latin typeface="HGP創英角ｺﾞｼｯｸUB" panose="020B0900000000000000" pitchFamily="50" charset="-128"/>
+              <a:ea typeface="HGP創英角ｺﾞｼｯｸUB" panose="020B0900000000000000" pitchFamily="50" charset="-128"/>
+            </a:endParaRPr>
+          </a:p>
+          <a:p>
+            <a:pPr algn="ctr"/>
             <a:r>
               <a:rPr kumimoji="1" lang="ja-JP" altLang="en-US" b="1" dirty="0">
                 <a:solidFill>
-                  <a:schemeClr val="accent2"/>
+                  <a:srgbClr val="FF0000"/>
                 </a:solidFill>
-                <a:latin typeface="HGP創英角ﾎﾟｯﾌﾟ体" panose="040B0A00000000000000" pitchFamily="50" charset="-128"/>
-                <a:ea typeface="HGP創英角ﾎﾟｯﾌﾟ体" panose="040B0A00000000000000" pitchFamily="50" charset="-128"/>
-              </a:rPr>
-              <a:t>自身を強化</a:t>
-            </a:r>
-            <a:r>
-              <a:rPr kumimoji="1" lang="ja-JP" altLang="en-US" sz="1600" dirty="0">
-                <a:latin typeface="BIZ UDゴシック" panose="020B0400000000000000" pitchFamily="49" charset="-128"/>
-                <a:ea typeface="BIZ UDゴシック" panose="020B0400000000000000" pitchFamily="49" charset="-128"/>
-              </a:rPr>
-              <a:t>しよう！</a:t>
-            </a:r>
-          </a:p>
-        </p:txBody>
-      </p:sp>
-      <p:sp>
-        <p:nvSpPr>
-          <p:cNvPr id="10" name="四角形: 対角を切り取る 9">
-            <a:extLst>
-              <a:ext uri="{FF2B5EF4-FFF2-40B4-BE49-F238E27FC236}">
-                <a16:creationId xmlns:a16="http://schemas.microsoft.com/office/drawing/2014/main" id="{163AA2AE-A2A4-4431-BC78-F42C39A66B3F}"/>
-              </a:ext>
-            </a:extLst>
-          </p:cNvPr>
-          <p:cNvSpPr/>
-          <p:nvPr/>
-        </p:nvSpPr>
-        <p:spPr>
-          <a:xfrm>
-            <a:off x="3429000" y="3072474"/>
-            <a:ext cx="2839453" cy="1024813"/>
-          </a:xfrm>
-          <a:prstGeom prst="snip2DiagRect">
-            <a:avLst/>
-          </a:prstGeom>
-        </p:spPr>
-        <p:style>
-          <a:lnRef idx="3">
-            <a:schemeClr val="lt1"/>
-          </a:lnRef>
-          <a:fillRef idx="1">
-            <a:schemeClr val="accent1"/>
-          </a:fillRef>
-          <a:effectRef idx="1">
-            <a:schemeClr val="accent1"/>
-          </a:effectRef>
-          <a:fontRef idx="minor">
-            <a:schemeClr val="lt1"/>
-          </a:fontRef>
-        </p:style>
-        <p:txBody>
-          <a:bodyPr rtlCol="0" anchor="ctr"/>
-          <a:lstStyle/>
-          <a:p>
-            <a:pPr algn="ctr"/>
-            <a:r>
-              <a:rPr kumimoji="1" lang="ja-JP" altLang="en-US" sz="1600" dirty="0">
-                <a:latin typeface="BIZ UDゴシック" panose="020B0400000000000000" pitchFamily="49" charset="-128"/>
-                <a:ea typeface="BIZ UDゴシック" panose="020B0400000000000000" pitchFamily="49" charset="-128"/>
-              </a:rPr>
-              <a:t>他プレイヤーを</a:t>
-            </a:r>
-            <a:r>
-              <a:rPr kumimoji="1" lang="ja-JP" altLang="en-US" b="1" dirty="0">
-                <a:solidFill>
-                  <a:schemeClr val="accent2"/>
-                </a:solidFill>
-                <a:latin typeface="HGP創英角ﾎﾟｯﾌﾟ体" panose="040B0A00000000000000" pitchFamily="50" charset="-128"/>
-                <a:ea typeface="HGP創英角ﾎﾟｯﾌﾟ体" panose="040B0A00000000000000" pitchFamily="50" charset="-128"/>
-              </a:rPr>
-              <a:t>妨害</a:t>
-            </a:r>
-            <a:r>
-              <a:rPr kumimoji="1" lang="ja-JP" altLang="en-US" sz="1600" dirty="0">
-                <a:latin typeface="BIZ UDゴシック" panose="020B0400000000000000" pitchFamily="49" charset="-128"/>
-                <a:ea typeface="BIZ UDゴシック" panose="020B0400000000000000" pitchFamily="49" charset="-128"/>
-              </a:rPr>
-              <a:t>して自分だけ強くなることも？</a:t>
-            </a:r>
-          </a:p>
-        </p:txBody>
-      </p:sp>
-      <p:sp>
-        <p:nvSpPr>
-          <p:cNvPr id="11" name="正方形/長方形 10">
-            <a:extLst>
-              <a:ext uri="{FF2B5EF4-FFF2-40B4-BE49-F238E27FC236}">
-                <a16:creationId xmlns:a16="http://schemas.microsoft.com/office/drawing/2014/main" id="{AB314A84-01CB-4587-9B18-CD5C403F96ED}"/>
-              </a:ext>
-            </a:extLst>
-          </p:cNvPr>
-          <p:cNvSpPr/>
-          <p:nvPr/>
-        </p:nvSpPr>
-        <p:spPr>
-          <a:xfrm>
-            <a:off x="360945" y="4384011"/>
-            <a:ext cx="6136105" cy="3305736"/>
-          </a:xfrm>
-          <a:prstGeom prst="rect">
-            <a:avLst/>
-          </a:prstGeom>
-        </p:spPr>
-        <p:style>
-          <a:lnRef idx="2">
-            <a:schemeClr val="accent1">
-              <a:shade val="50000"/>
-            </a:schemeClr>
-          </a:lnRef>
-          <a:fillRef idx="1">
-            <a:schemeClr val="accent1"/>
-          </a:fillRef>
-          <a:effectRef idx="0">
-            <a:schemeClr val="accent1"/>
-          </a:effectRef>
-          <a:fontRef idx="minor">
-            <a:schemeClr val="lt1"/>
-          </a:fontRef>
-        </p:style>
-        <p:txBody>
-          <a:bodyPr rtlCol="0" anchor="ctr"/>
-          <a:lstStyle/>
-          <a:p>
-            <a:pPr algn="ctr"/>
-            <a:endParaRPr kumimoji="1" lang="ja-JP" altLang="en-US"/>
-          </a:p>
-        </p:txBody>
-      </p:sp>
-      <p:sp>
-        <p:nvSpPr>
-          <p:cNvPr id="12" name="四角形: 角を丸くする 11">
-            <a:extLst>
-              <a:ext uri="{FF2B5EF4-FFF2-40B4-BE49-F238E27FC236}">
-                <a16:creationId xmlns:a16="http://schemas.microsoft.com/office/drawing/2014/main" id="{B3ACF56F-75F7-4998-916E-1426CC028245}"/>
-              </a:ext>
-            </a:extLst>
-          </p:cNvPr>
-          <p:cNvSpPr/>
-          <p:nvPr/>
-        </p:nvSpPr>
-        <p:spPr>
-          <a:xfrm>
-            <a:off x="2009273" y="4564462"/>
-            <a:ext cx="2839453" cy="405655"/>
-          </a:xfrm>
-          <a:prstGeom prst="roundRect">
-            <a:avLst/>
-          </a:prstGeom>
-          <a:solidFill>
-            <a:schemeClr val="accent4"/>
-          </a:solidFill>
-        </p:spPr>
-        <p:style>
-          <a:lnRef idx="2">
-            <a:schemeClr val="accent1">
-              <a:shade val="50000"/>
-            </a:schemeClr>
-          </a:lnRef>
-          <a:fillRef idx="1">
-            <a:schemeClr val="accent1"/>
-          </a:fillRef>
-          <a:effectRef idx="0">
-            <a:schemeClr val="accent1"/>
-          </a:effectRef>
-          <a:fontRef idx="minor">
-            <a:schemeClr val="lt1"/>
-          </a:fontRef>
-        </p:style>
-        <p:txBody>
-          <a:bodyPr rtlCol="0" anchor="ctr"/>
-          <a:lstStyle/>
-          <a:p>
-            <a:pPr algn="ctr"/>
-            <a:r>
-              <a:rPr kumimoji="1" lang="ja-JP" altLang="en-US" sz="2400" b="1" dirty="0">
-                <a:solidFill>
-                  <a:schemeClr val="tx1"/>
-                </a:solidFill>
-                <a:latin typeface="HGP創英角ﾎﾟｯﾌﾟ体" panose="040B0A00000000000000" pitchFamily="50" charset="-128"/>
-                <a:ea typeface="HGP創英角ﾎﾟｯﾌﾟ体" panose="040B0A00000000000000" pitchFamily="50" charset="-128"/>
-              </a:rPr>
-              <a:t>協力プレイ</a:t>
-            </a:r>
-          </a:p>
-        </p:txBody>
-      </p:sp>
-      <p:sp>
-        <p:nvSpPr>
-          <p:cNvPr id="13" name="四角形: 対角を切り取る 12">
-            <a:extLst>
-              <a:ext uri="{FF2B5EF4-FFF2-40B4-BE49-F238E27FC236}">
-                <a16:creationId xmlns:a16="http://schemas.microsoft.com/office/drawing/2014/main" id="{55CF9390-85A3-4B86-9A6A-6416981CD63C}"/>
-              </a:ext>
-            </a:extLst>
-          </p:cNvPr>
-          <p:cNvSpPr/>
-          <p:nvPr/>
-        </p:nvSpPr>
-        <p:spPr>
-          <a:xfrm>
-            <a:off x="589547" y="5175557"/>
-            <a:ext cx="2839453" cy="1024813"/>
-          </a:xfrm>
-          <a:prstGeom prst="snip2DiagRect">
-            <a:avLst/>
-          </a:prstGeom>
-        </p:spPr>
-        <p:style>
-          <a:lnRef idx="3">
-            <a:schemeClr val="lt1"/>
-          </a:lnRef>
-          <a:fillRef idx="1">
-            <a:schemeClr val="accent1"/>
-          </a:fillRef>
-          <a:effectRef idx="1">
-            <a:schemeClr val="accent1"/>
-          </a:effectRef>
-          <a:fontRef idx="minor">
-            <a:schemeClr val="lt1"/>
-          </a:fontRef>
-        </p:style>
-        <p:txBody>
-          <a:bodyPr rtlCol="0" anchor="ctr"/>
-          <a:lstStyle/>
-          <a:p>
-            <a:pPr algn="ctr"/>
-            <a:r>
-              <a:rPr kumimoji="1" lang="ja-JP" altLang="en-US" sz="1600" dirty="0">
-                <a:latin typeface="BIZ UDゴシック" panose="020B0400000000000000" pitchFamily="49" charset="-128"/>
-                <a:ea typeface="BIZ UDゴシック" panose="020B0400000000000000" pitchFamily="49" charset="-128"/>
-              </a:rPr>
-              <a:t>それぞれが巨大ロボットの</a:t>
-            </a:r>
-            <a:r>
-              <a:rPr kumimoji="1" lang="ja-JP" altLang="en-US" b="1" dirty="0">
-                <a:solidFill>
-                  <a:schemeClr val="accent2"/>
-                </a:solidFill>
-                <a:latin typeface="HGP創英角ﾎﾟｯﾌﾟ体" panose="040B0A00000000000000" pitchFamily="50" charset="-128"/>
-                <a:ea typeface="HGP創英角ﾎﾟｯﾌﾟ体" panose="040B0A00000000000000" pitchFamily="50" charset="-128"/>
+                <a:effectLst>
+                  <a:glow rad="88900">
+                    <a:srgbClr val="FFFF00"/>
+                  </a:glow>
+                </a:effectLst>
+                <a:latin typeface="HGP創英角ｺﾞｼｯｸUB" panose="020B0900000000000000" pitchFamily="50" charset="-128"/>
+                <a:ea typeface="HGP創英角ｺﾞｼｯｸUB" panose="020B0900000000000000" pitchFamily="50" charset="-128"/>
               </a:rPr>
               <a:t>部位を操作</a:t>
             </a:r>
             <a:r>
+              <a:rPr kumimoji="1" lang="ja-JP" altLang="en-US" b="1" spc="-300" dirty="0">
+                <a:solidFill>
+                  <a:srgbClr val="FF0000"/>
+                </a:solidFill>
+                <a:effectLst>
+                  <a:glow rad="88900">
+                    <a:srgbClr val="FFFF00"/>
+                  </a:glow>
+                </a:effectLst>
+                <a:latin typeface="HGP創英角ｺﾞｼｯｸUB" panose="020B0900000000000000" pitchFamily="50" charset="-128"/>
+                <a:ea typeface="HGP創英角ｺﾞｼｯｸUB" panose="020B0900000000000000" pitchFamily="50" charset="-128"/>
+              </a:rPr>
+              <a:t> </a:t>
+            </a:r>
+            <a:r>
               <a:rPr kumimoji="1" lang="ja-JP" altLang="en-US" sz="1600" dirty="0">
-                <a:latin typeface="BIZ UDゴシック" panose="020B0400000000000000" pitchFamily="49" charset="-128"/>
-                <a:ea typeface="BIZ UDゴシック" panose="020B0400000000000000" pitchFamily="49" charset="-128"/>
+                <a:effectLst>
+                  <a:glow rad="76200">
+                    <a:schemeClr val="tx1"/>
+                  </a:glow>
+                </a:effectLst>
+                <a:latin typeface="HGP創英角ｺﾞｼｯｸUB" panose="020B0900000000000000" pitchFamily="50" charset="-128"/>
+                <a:ea typeface="HGP創英角ｺﾞｼｯｸUB" panose="020B0900000000000000" pitchFamily="50" charset="-128"/>
               </a:rPr>
               <a:t>できるぞ！</a:t>
-            </a:r>
-          </a:p>
-        </p:txBody>
-      </p:sp>
-      <p:sp>
-        <p:nvSpPr>
-          <p:cNvPr id="14" name="四角形: 対角を切り取る 13">
-            <a:extLst>
-              <a:ext uri="{FF2B5EF4-FFF2-40B4-BE49-F238E27FC236}">
-                <a16:creationId xmlns:a16="http://schemas.microsoft.com/office/drawing/2014/main" id="{C80C727C-F0DA-4B10-8281-9536B532B000}"/>
-              </a:ext>
-            </a:extLst>
-          </p:cNvPr>
-          <p:cNvSpPr/>
-          <p:nvPr/>
-        </p:nvSpPr>
-        <p:spPr>
-          <a:xfrm>
-            <a:off x="3429000" y="6583650"/>
-            <a:ext cx="2839453" cy="1024813"/>
-          </a:xfrm>
-          <a:prstGeom prst="snip2DiagRect">
-            <a:avLst/>
-          </a:prstGeom>
-        </p:spPr>
-        <p:style>
-          <a:lnRef idx="3">
-            <a:schemeClr val="lt1"/>
-          </a:lnRef>
-          <a:fillRef idx="1">
-            <a:schemeClr val="accent1"/>
-          </a:fillRef>
-          <a:effectRef idx="1">
-            <a:schemeClr val="accent1"/>
-          </a:effectRef>
-          <a:fontRef idx="minor">
-            <a:schemeClr val="lt1"/>
-          </a:fontRef>
-        </p:style>
-        <p:txBody>
-          <a:bodyPr rtlCol="0" anchor="ctr"/>
-          <a:lstStyle/>
-          <a:p>
-            <a:pPr algn="ctr"/>
-            <a:r>
-              <a:rPr kumimoji="1" lang="ja-JP" altLang="en-US" sz="1600" dirty="0">
-                <a:latin typeface="BIZ UDゴシック" panose="020B0400000000000000" pitchFamily="49" charset="-128"/>
-                <a:ea typeface="BIZ UDゴシック" panose="020B0400000000000000" pitchFamily="49" charset="-128"/>
-              </a:rPr>
-              <a:t>巨大ロボットを上手く動かして</a:t>
-            </a:r>
-            <a:r>
-              <a:rPr kumimoji="1" lang="ja-JP" altLang="en-US" b="1" dirty="0">
-                <a:solidFill>
-                  <a:schemeClr val="accent2"/>
-                </a:solidFill>
-                <a:latin typeface="HGP創英角ﾎﾟｯﾌﾟ体" panose="040B0A00000000000000" pitchFamily="50" charset="-128"/>
-                <a:ea typeface="HGP創英角ﾎﾟｯﾌﾟ体" panose="040B0A00000000000000" pitchFamily="50" charset="-128"/>
-              </a:rPr>
-              <a:t>敵を倒せ</a:t>
-            </a:r>
-            <a:r>
-              <a:rPr kumimoji="1" lang="ja-JP" altLang="en-US" sz="1600" dirty="0">
-                <a:latin typeface="BIZ UDゴシック" panose="020B0400000000000000" pitchFamily="49" charset="-128"/>
-                <a:ea typeface="BIZ UDゴシック" panose="020B0400000000000000" pitchFamily="49" charset="-128"/>
-              </a:rPr>
-              <a:t>！</a:t>
             </a:r>
           </a:p>
         </p:txBody>
@@ -4254,6 +4064,34 @@
           <a:prstGeom prst="ellipse">
             <a:avLst/>
           </a:prstGeom>
+          <a:gradFill>
+            <a:gsLst>
+              <a:gs pos="100000">
+                <a:srgbClr val="FFD85D"/>
+              </a:gs>
+              <a:gs pos="50000">
+                <a:srgbClr val="FFFFCC"/>
+              </a:gs>
+              <a:gs pos="0">
+                <a:srgbClr val="FFD85D"/>
+              </a:gs>
+            </a:gsLst>
+          </a:gradFill>
+          <a:ln w="25400">
+            <a:noFill/>
+          </a:ln>
+          <a:effectLst>
+            <a:glow rad="101600">
+              <a:srgbClr val="E4931C">
+                <a:alpha val="70000"/>
+              </a:srgbClr>
+            </a:glow>
+            <a:outerShdw blurRad="50800" dist="38100" dir="2700000" algn="tl" rotWithShape="0">
+              <a:prstClr val="black">
+                <a:alpha val="40000"/>
+              </a:prstClr>
+            </a:outerShdw>
+          </a:effectLst>
         </p:spPr>
         <p:style>
           <a:lnRef idx="1">
@@ -4276,25 +4114,56 @@
             <a:pPr algn="ctr"/>
             <a:r>
               <a:rPr kumimoji="1" lang="ja-JP" altLang="en-US" dirty="0">
-                <a:latin typeface="BIZ UDゴシック" panose="020B0400000000000000" pitchFamily="49" charset="-128"/>
-                <a:ea typeface="BIZ UDゴシック" panose="020B0400000000000000" pitchFamily="49" charset="-128"/>
+                <a:effectLst>
+                  <a:glow rad="76200">
+                    <a:schemeClr val="tx1">
+                      <a:alpha val="80000"/>
+                    </a:schemeClr>
+                  </a:glow>
+                </a:effectLst>
+                <a:latin typeface="HGP創英角ｺﾞｼｯｸUB" panose="020B0900000000000000" pitchFamily="50" charset="-128"/>
+                <a:ea typeface="HGP創英角ｺﾞｼｯｸUB" panose="020B0900000000000000" pitchFamily="50" charset="-128"/>
               </a:rPr>
               <a:t>自分だけ</a:t>
             </a:r>
             <a:r>
               <a:rPr kumimoji="1" lang="ja-JP" altLang="en-US" sz="2400" b="1" dirty="0">
-                <a:solidFill>
-                  <a:schemeClr val="accent2"/>
-                </a:solidFill>
-                <a:latin typeface="HGP創英角ﾎﾟｯﾌﾟ体" panose="040B0A00000000000000" pitchFamily="50" charset="-128"/>
-                <a:ea typeface="HGP創英角ﾎﾟｯﾌﾟ体" panose="040B0A00000000000000" pitchFamily="50" charset="-128"/>
+                <a:gradFill flip="none" rotWithShape="1">
+                  <a:gsLst>
+                    <a:gs pos="100000">
+                      <a:srgbClr val="FFD85D"/>
+                    </a:gs>
+                    <a:gs pos="50000">
+                      <a:srgbClr val="FFFFCC"/>
+                    </a:gs>
+                    <a:gs pos="0">
+                      <a:srgbClr val="FFD85D"/>
+                    </a:gs>
+                  </a:gsLst>
+                  <a:lin ang="2700000" scaled="1"/>
+                  <a:tileRect/>
+                </a:gradFill>
+                <a:effectLst>
+                  <a:glow rad="101600">
+                    <a:srgbClr val="E4931C"/>
+                  </a:glow>
+                </a:effectLst>
+                <a:latin typeface="HGP創英角ｺﾞｼｯｸUB" panose="020B0900000000000000" pitchFamily="50" charset="-128"/>
+                <a:ea typeface="HGP創英角ｺﾞｼｯｸUB" panose="020B0900000000000000" pitchFamily="50" charset="-128"/>
               </a:rPr>
               <a:t>貢献度</a:t>
             </a:r>
             <a:r>
               <a:rPr kumimoji="1" lang="ja-JP" altLang="en-US" dirty="0">
-                <a:latin typeface="BIZ UDゴシック" panose="020B0400000000000000" pitchFamily="49" charset="-128"/>
-                <a:ea typeface="BIZ UDゴシック" panose="020B0400000000000000" pitchFamily="49" charset="-128"/>
+                <a:effectLst>
+                  <a:glow rad="76200">
+                    <a:schemeClr val="tx1">
+                      <a:alpha val="80000"/>
+                    </a:schemeClr>
+                  </a:glow>
+                </a:effectLst>
+                <a:latin typeface="HGP創英角ｺﾞｼｯｸUB" panose="020B0900000000000000" pitchFamily="50" charset="-128"/>
+                <a:ea typeface="HGP創英角ｺﾞｼｯｸUB" panose="020B0900000000000000" pitchFamily="50" charset="-128"/>
               </a:rPr>
               <a:t>を上げて戦犯を押し付けよう！</a:t>
             </a:r>
@@ -4316,7 +4185,7 @@
           <p:nvPr/>
         </p:nvPicPr>
         <p:blipFill>
-          <a:blip r:embed="rId2">
+          <a:blip r:embed="rId3">
             <a:extLst>
               <a:ext uri="{28A0092B-C50C-407E-A947-70E740481C1C}">
                 <a14:useLocalDpi xmlns:a14="http://schemas.microsoft.com/office/drawing/2010/main" val="0"/>
@@ -4329,15 +4198,15 @@
         </p:blipFill>
         <p:spPr>
           <a:xfrm>
-            <a:off x="360945" y="7998190"/>
-            <a:ext cx="2839453" cy="1597192"/>
+            <a:off x="513477" y="7946341"/>
+            <a:ext cx="2565135" cy="1442888"/>
           </a:xfrm>
           <a:prstGeom prst="rect">
             <a:avLst/>
           </a:prstGeom>
-          <a:ln w="88900" cap="sq" cmpd="thickThin">
+          <a:ln w="38100" cap="sq" cmpd="thickThin">
             <a:solidFill>
-              <a:srgbClr val="000000"/>
+              <a:schemeClr val="bg1"/>
             </a:solidFill>
             <a:prstDash val="solid"/>
             <a:miter lim="800000"/>
@@ -4364,7 +4233,7 @@
           <p:nvPr/>
         </p:nvPicPr>
         <p:blipFill>
-          <a:blip r:embed="rId3">
+          <a:blip r:embed="rId4">
             <a:extLst>
               <a:ext uri="{28A0092B-C50C-407E-A947-70E740481C1C}">
                 <a14:useLocalDpi xmlns:a14="http://schemas.microsoft.com/office/drawing/2010/main" val="0"/>
@@ -4377,42 +4246,18 @@
         </p:blipFill>
         <p:spPr>
           <a:xfrm>
-            <a:off x="1094873" y="6344983"/>
-            <a:ext cx="1600200" cy="1200150"/>
+            <a:off x="1361713" y="6084537"/>
+            <a:ext cx="2117841" cy="1588380"/>
           </a:xfrm>
-          <a:prstGeom prst="snip2DiagRect">
+          <a:prstGeom prst="ellipse">
             <a:avLst/>
           </a:prstGeom>
-          <a:solidFill>
-            <a:srgbClr val="FFFFFF">
-              <a:shade val="85000"/>
-            </a:srgbClr>
-          </a:solidFill>
-          <a:ln w="88900" cap="sq">
-            <a:solidFill>
-              <a:srgbClr val="FFFFFF"/>
-            </a:solidFill>
-            <a:miter lim="800000"/>
+          <a:ln>
+            <a:noFill/>
           </a:ln>
           <a:effectLst>
-            <a:outerShdw blurRad="88900" algn="tl" rotWithShape="0">
-              <a:srgbClr val="000000">
-                <a:alpha val="45000"/>
-              </a:srgbClr>
-            </a:outerShdw>
+            <a:softEdge rad="112500"/>
           </a:effectLst>
-          <a:scene3d>
-            <a:camera prst="orthographicFront"/>
-            <a:lightRig rig="twoPt" dir="t">
-              <a:rot lat="0" lon="0" rev="7200000"/>
-            </a:lightRig>
-          </a:scene3d>
-          <a:sp3d>
-            <a:bevelT w="25400" h="19050"/>
-            <a:contourClr>
-              <a:srgbClr val="FFFFFF"/>
-            </a:contourClr>
-          </a:sp3d>
         </p:spPr>
       </p:pic>
       <p:pic>
@@ -4430,7 +4275,7 @@
           <p:nvPr/>
         </p:nvPicPr>
         <p:blipFill>
-          <a:blip r:embed="rId4">
+          <a:blip r:embed="rId5">
             <a:extLst>
               <a:ext uri="{28A0092B-C50C-407E-A947-70E740481C1C}">
                 <a14:useLocalDpi xmlns:a14="http://schemas.microsoft.com/office/drawing/2010/main" val="0"/>
@@ -4454,7 +4299,7 @@
               <a:shade val="85000"/>
             </a:srgbClr>
           </a:solidFill>
-          <a:ln w="88900" cap="sq">
+          <a:ln w="38100" cap="sq">
             <a:solidFill>
               <a:srgbClr val="FFFFFF"/>
             </a:solidFill>
@@ -4495,8 +4340,73 @@
           </p:cNvPicPr>
           <p:nvPr/>
         </p:nvPicPr>
+        <p:blipFill rotWithShape="1">
+          <a:blip r:embed="rId6">
+            <a:extLst>
+              <a:ext uri="{28A0092B-C50C-407E-A947-70E740481C1C}">
+                <a14:useLocalDpi xmlns:a14="http://schemas.microsoft.com/office/drawing/2010/main" val="0"/>
+              </a:ext>
+            </a:extLst>
+          </a:blip>
+          <a:srcRect l="14839" r="8617"/>
+          <a:stretch/>
+        </p:blipFill>
+        <p:spPr>
+          <a:xfrm>
+            <a:off x="3471668" y="1518288"/>
+            <a:ext cx="1591054" cy="1166611"/>
+          </a:xfrm>
+          <a:prstGeom prst="rect">
+            <a:avLst/>
+          </a:prstGeom>
+          <a:solidFill>
+            <a:srgbClr val="FFFFFF">
+              <a:shade val="85000"/>
+            </a:srgbClr>
+          </a:solidFill>
+          <a:ln w="38100" cap="sq">
+            <a:solidFill>
+              <a:srgbClr val="FFFFFF"/>
+            </a:solidFill>
+            <a:miter lim="800000"/>
+          </a:ln>
+          <a:effectLst>
+            <a:outerShdw blurRad="50800" dist="38100" dir="2700000" algn="tl" rotWithShape="0">
+              <a:prstClr val="black">
+                <a:alpha val="40000"/>
+              </a:prstClr>
+            </a:outerShdw>
+          </a:effectLst>
+          <a:scene3d>
+            <a:camera prst="orthographicFront"/>
+            <a:lightRig rig="twoPt" dir="t">
+              <a:rot lat="0" lon="0" rev="7200000"/>
+            </a:lightRig>
+          </a:scene3d>
+          <a:sp3d>
+            <a:bevelT w="25400" h="19050"/>
+            <a:contourClr>
+              <a:srgbClr val="FFFFFF"/>
+            </a:contourClr>
+          </a:sp3d>
+        </p:spPr>
+      </p:pic>
+      <p:pic>
+        <p:nvPicPr>
+          <p:cNvPr id="25" name="図 24">
+            <a:extLst>
+              <a:ext uri="{FF2B5EF4-FFF2-40B4-BE49-F238E27FC236}">
+                <a16:creationId xmlns:a16="http://schemas.microsoft.com/office/drawing/2014/main" id="{351FCA8D-A4B3-4586-8468-393EBD619C10}"/>
+              </a:ext>
+            </a:extLst>
+          </p:cNvPr>
+          <p:cNvPicPr>
+            <a:picLocks noChangeAspect="1"/>
+          </p:cNvPicPr>
+          <p:nvPr/>
+        </p:nvPicPr>
         <p:blipFill>
-          <a:blip r:embed="rId5">
+          <a:blip r:embed="rId7">
             <a:extLst>
               <a:ext uri="{28A0092B-C50C-407E-A947-70E740481C1C}">
                 <a14:useLocalDpi xmlns:a14="http://schemas.microsoft.com/office/drawing/2010/main" val="0"/>
@@ -4509,8 +4419,8 @@
         </p:blipFill>
         <p:spPr>
           <a:xfrm>
-            <a:off x="3791595" y="1635254"/>
-            <a:ext cx="2246605" cy="1260907"/>
+            <a:off x="3552709" y="5133451"/>
+            <a:ext cx="2001362" cy="1262083"/>
           </a:xfrm>
           <a:prstGeom prst="snip2DiagRect">
             <a:avLst/>
@@ -4520,7 +4430,7 @@
               <a:shade val="85000"/>
             </a:srgbClr>
           </a:solidFill>
-          <a:ln w="88900" cap="sq">
+          <a:ln w="38100" cap="sq">
             <a:solidFill>
               <a:srgbClr val="FFFFFF"/>
             </a:solidFill>
@@ -4549,10 +4459,1792 @@
       </p:pic>
       <p:pic>
         <p:nvPicPr>
-          <p:cNvPr id="25" name="図 24">
-            <a:extLst>
-              <a:ext uri="{FF2B5EF4-FFF2-40B4-BE49-F238E27FC236}">
-                <a16:creationId xmlns:a16="http://schemas.microsoft.com/office/drawing/2014/main" id="{351FCA8D-A4B3-4586-8468-393EBD619C10}"/>
+          <p:cNvPr id="20" name="図 19">
+            <a:extLst>
+              <a:ext uri="{FF2B5EF4-FFF2-40B4-BE49-F238E27FC236}">
+                <a16:creationId xmlns:a16="http://schemas.microsoft.com/office/drawing/2014/main" id="{6F9C39CB-5DA1-4D7B-9048-482A423207F0}"/>
+              </a:ext>
+            </a:extLst>
+          </p:cNvPr>
+          <p:cNvPicPr>
+            <a:picLocks noChangeAspect="1"/>
+          </p:cNvPicPr>
+          <p:nvPr/>
+        </p:nvPicPr>
+        <p:blipFill rotWithShape="1">
+          <a:blip r:embed="rId3">
+            <a:extLst>
+              <a:ext uri="{28A0092B-C50C-407E-A947-70E740481C1C}">
+                <a14:useLocalDpi xmlns:a14="http://schemas.microsoft.com/office/drawing/2010/main" val="0"/>
+              </a:ext>
+            </a:extLst>
+          </a:blip>
+          <a:srcRect l="6024" t="28704" r="71795" b="30104"/>
+          <a:stretch/>
+        </p:blipFill>
+        <p:spPr>
+          <a:xfrm>
+            <a:off x="2194007" y="8676506"/>
+            <a:ext cx="1002132" cy="1046869"/>
+          </a:xfrm>
+          <a:prstGeom prst="rect">
+            <a:avLst/>
+          </a:prstGeom>
+          <a:ln w="31750" cap="sq" cmpd="sng">
+            <a:solidFill>
+              <a:schemeClr val="bg1"/>
+            </a:solidFill>
+            <a:prstDash val="solid"/>
+            <a:miter lim="800000"/>
+          </a:ln>
+          <a:effectLst>
+            <a:outerShdw blurRad="50800" dist="38100" dir="2700000" algn="tl" rotWithShape="0">
+              <a:prstClr val="black">
+                <a:alpha val="40000"/>
+              </a:prstClr>
+            </a:outerShdw>
+          </a:effectLst>
+        </p:spPr>
+      </p:pic>
+      <p:pic>
+        <p:nvPicPr>
+          <p:cNvPr id="5" name="図 4">
+            <a:extLst>
+              <a:ext uri="{FF2B5EF4-FFF2-40B4-BE49-F238E27FC236}">
+                <a16:creationId xmlns:a16="http://schemas.microsoft.com/office/drawing/2014/main" id="{F69EFF15-8263-413D-B68A-F3B659B88194}"/>
+              </a:ext>
+            </a:extLst>
+          </p:cNvPr>
+          <p:cNvPicPr>
+            <a:picLocks noChangeAspect="1"/>
+          </p:cNvPicPr>
+          <p:nvPr/>
+        </p:nvPicPr>
+        <p:blipFill rotWithShape="1">
+          <a:blip r:embed="rId8">
+            <a:extLst>
+              <a:ext uri="{28A0092B-C50C-407E-A947-70E740481C1C}">
+                <a14:useLocalDpi xmlns:a14="http://schemas.microsoft.com/office/drawing/2010/main" val="0"/>
+              </a:ext>
+            </a:extLst>
+          </a:blip>
+          <a:srcRect l="17698" t="29676" r="42791" b="15594"/>
+          <a:stretch/>
+        </p:blipFill>
+        <p:spPr>
+          <a:xfrm>
+            <a:off x="4953442" y="2093990"/>
+            <a:ext cx="1429310" cy="1113701"/>
+          </a:xfrm>
+          <a:prstGeom prst="rect">
+            <a:avLst/>
+          </a:prstGeom>
+          <a:ln w="25400">
+            <a:solidFill>
+              <a:schemeClr val="bg1"/>
+            </a:solidFill>
+          </a:ln>
+          <a:effectLst>
+            <a:outerShdw blurRad="50800" dist="38100" dir="2700000" algn="tl" rotWithShape="0">
+              <a:prstClr val="black">
+                <a:alpha val="40000"/>
+              </a:prstClr>
+            </a:outerShdw>
+          </a:effectLst>
+        </p:spPr>
+      </p:pic>
+      <p:sp>
+        <p:nvSpPr>
+          <p:cNvPr id="6" name="四角形: 角を丸くする 5">
+            <a:extLst>
+              <a:ext uri="{FF2B5EF4-FFF2-40B4-BE49-F238E27FC236}">
+                <a16:creationId xmlns:a16="http://schemas.microsoft.com/office/drawing/2014/main" id="{BC96EB8A-9573-4545-80AB-E00C3143DD54}"/>
+              </a:ext>
+            </a:extLst>
+          </p:cNvPr>
+          <p:cNvSpPr/>
+          <p:nvPr/>
+        </p:nvSpPr>
+        <p:spPr>
+          <a:xfrm>
+            <a:off x="1648452" y="805219"/>
+            <a:ext cx="3646431" cy="520943"/>
+          </a:xfrm>
+          <a:prstGeom prst="roundRect">
+            <a:avLst/>
+          </a:prstGeom>
+          <a:solidFill>
+            <a:schemeClr val="accent1">
+              <a:lumMod val="60000"/>
+              <a:lumOff val="40000"/>
+            </a:schemeClr>
+          </a:solidFill>
+          <a:ln w="25400">
+            <a:solidFill>
+              <a:schemeClr val="bg1"/>
+            </a:solidFill>
+          </a:ln>
+          <a:effectLst>
+            <a:outerShdw blurRad="50800" dist="38100" dir="2700000" algn="tl" rotWithShape="0">
+              <a:prstClr val="black">
+                <a:alpha val="40000"/>
+              </a:prstClr>
+            </a:outerShdw>
+          </a:effectLst>
+        </p:spPr>
+        <p:style>
+          <a:lnRef idx="2">
+            <a:schemeClr val="accent1">
+              <a:shade val="50000"/>
+            </a:schemeClr>
+          </a:lnRef>
+          <a:fillRef idx="1">
+            <a:schemeClr val="accent1"/>
+          </a:fillRef>
+          <a:effectRef idx="0">
+            <a:schemeClr val="accent1"/>
+          </a:effectRef>
+          <a:fontRef idx="minor">
+            <a:schemeClr val="lt1"/>
+          </a:fontRef>
+        </p:style>
+        <p:txBody>
+          <a:bodyPr rtlCol="0" anchor="ctr"/>
+          <a:lstStyle/>
+          <a:p>
+            <a:pPr algn="ctr"/>
+            <a:r>
+              <a:rPr kumimoji="1" lang="ja-JP" altLang="en-US" sz="2400" b="1" dirty="0">
+                <a:gradFill flip="none" rotWithShape="1">
+                  <a:gsLst>
+                    <a:gs pos="0">
+                      <a:schemeClr val="bg1">
+                        <a:lumMod val="65000"/>
+                      </a:schemeClr>
+                    </a:gs>
+                    <a:gs pos="100000">
+                      <a:schemeClr val="bg1">
+                        <a:lumMod val="65000"/>
+                      </a:schemeClr>
+                    </a:gs>
+                    <a:gs pos="50000">
+                      <a:schemeClr val="bg1"/>
+                    </a:gs>
+                  </a:gsLst>
+                  <a:lin ang="2700000" scaled="1"/>
+                  <a:tileRect/>
+                </a:gradFill>
+                <a:effectLst>
+                  <a:glow rad="88900">
+                    <a:schemeClr val="tx1">
+                      <a:alpha val="80000"/>
+                    </a:schemeClr>
+                  </a:glow>
+                </a:effectLst>
+                <a:latin typeface="HGP創英角ｺﾞｼｯｸUB" panose="020B0900000000000000" pitchFamily="50" charset="-128"/>
+                <a:ea typeface="HGP創英角ｺﾞｼｯｸUB" panose="020B0900000000000000" pitchFamily="50" charset="-128"/>
+              </a:rPr>
+              <a:t>個人プレイ</a:t>
+            </a:r>
+          </a:p>
+        </p:txBody>
+      </p:sp>
+      <p:sp>
+        <p:nvSpPr>
+          <p:cNvPr id="8" name="四角形: 対角を切り取る 7">
+            <a:extLst>
+              <a:ext uri="{FF2B5EF4-FFF2-40B4-BE49-F238E27FC236}">
+                <a16:creationId xmlns:a16="http://schemas.microsoft.com/office/drawing/2014/main" id="{B816CD12-E3E6-4539-B80B-56B44EDCF0A7}"/>
+              </a:ext>
+            </a:extLst>
+          </p:cNvPr>
+          <p:cNvSpPr/>
+          <p:nvPr/>
+        </p:nvSpPr>
+        <p:spPr>
+          <a:xfrm>
+            <a:off x="493294" y="1664381"/>
+            <a:ext cx="2839453" cy="1024813"/>
+          </a:xfrm>
+          <a:prstGeom prst="snip2DiagRect">
+            <a:avLst>
+              <a:gd name="adj1" fmla="val 0"/>
+              <a:gd name="adj2" fmla="val 0"/>
+            </a:avLst>
+          </a:prstGeom>
+          <a:solidFill>
+            <a:srgbClr val="CCECFF"/>
+          </a:solidFill>
+          <a:ln w="25400">
+            <a:solidFill>
+              <a:schemeClr val="tx1"/>
+            </a:solidFill>
+          </a:ln>
+          <a:effectLst>
+            <a:outerShdw blurRad="50800" dist="38100" dir="2700000" algn="tl" rotWithShape="0">
+              <a:prstClr val="black">
+                <a:alpha val="40000"/>
+              </a:prstClr>
+            </a:outerShdw>
+          </a:effectLst>
+        </p:spPr>
+        <p:style>
+          <a:lnRef idx="3">
+            <a:schemeClr val="lt1"/>
+          </a:lnRef>
+          <a:fillRef idx="1">
+            <a:schemeClr val="accent1"/>
+          </a:fillRef>
+          <a:effectRef idx="1">
+            <a:schemeClr val="accent1"/>
+          </a:effectRef>
+          <a:fontRef idx="minor">
+            <a:schemeClr val="lt1"/>
+          </a:fontRef>
+        </p:style>
+        <p:txBody>
+          <a:bodyPr rtlCol="0" anchor="ctr"/>
+          <a:lstStyle/>
+          <a:p>
+            <a:pPr algn="ctr"/>
+            <a:r>
+              <a:rPr kumimoji="1" lang="ja-JP" altLang="en-US" sz="1600" dirty="0">
+                <a:solidFill>
+                  <a:schemeClr val="bg1"/>
+                </a:solidFill>
+                <a:effectLst>
+                  <a:glow rad="76200">
+                    <a:schemeClr val="tx1"/>
+                  </a:glow>
+                </a:effectLst>
+                <a:latin typeface="HGP創英角ｺﾞｼｯｸUB" panose="020B0900000000000000" pitchFamily="50" charset="-128"/>
+                <a:ea typeface="HGP創英角ｺﾞｼｯｸUB" panose="020B0900000000000000" pitchFamily="50" charset="-128"/>
+              </a:rPr>
+              <a:t>敵を倒しつつ探索して</a:t>
+            </a:r>
+            <a:endParaRPr kumimoji="1" lang="en-US" altLang="ja-JP" sz="1600" dirty="0">
+              <a:solidFill>
+                <a:schemeClr val="bg1"/>
+              </a:solidFill>
+              <a:effectLst>
+                <a:glow rad="76200">
+                  <a:schemeClr val="tx1"/>
+                </a:glow>
+              </a:effectLst>
+              <a:latin typeface="HGP創英角ｺﾞｼｯｸUB" panose="020B0900000000000000" pitchFamily="50" charset="-128"/>
+              <a:ea typeface="HGP創英角ｺﾞｼｯｸUB" panose="020B0900000000000000" pitchFamily="50" charset="-128"/>
+            </a:endParaRPr>
+          </a:p>
+          <a:p>
+            <a:pPr algn="ctr"/>
+            <a:r>
+              <a:rPr kumimoji="1" lang="ja-JP" altLang="en-US" b="1" dirty="0">
+                <a:solidFill>
+                  <a:srgbClr val="FF0000"/>
+                </a:solidFill>
+                <a:effectLst>
+                  <a:glow rad="88900">
+                    <a:srgbClr val="FFFF00"/>
+                  </a:glow>
+                </a:effectLst>
+                <a:latin typeface="HGP創英角ｺﾞｼｯｸUB" panose="020B0900000000000000" pitchFamily="50" charset="-128"/>
+                <a:ea typeface="HGP創英角ｺﾞｼｯｸUB" panose="020B0900000000000000" pitchFamily="50" charset="-128"/>
+              </a:rPr>
+              <a:t>自身を強化</a:t>
+            </a:r>
+            <a:r>
+              <a:rPr kumimoji="1" lang="ja-JP" altLang="en-US" b="1" spc="-300" dirty="0">
+                <a:solidFill>
+                  <a:srgbClr val="FF0000"/>
+                </a:solidFill>
+                <a:effectLst>
+                  <a:glow rad="88900">
+                    <a:srgbClr val="FFFF00"/>
+                  </a:glow>
+                </a:effectLst>
+                <a:latin typeface="HGP創英角ｺﾞｼｯｸUB" panose="020B0900000000000000" pitchFamily="50" charset="-128"/>
+                <a:ea typeface="HGP創英角ｺﾞｼｯｸUB" panose="020B0900000000000000" pitchFamily="50" charset="-128"/>
+              </a:rPr>
+              <a:t> </a:t>
+            </a:r>
+            <a:r>
+              <a:rPr kumimoji="1" lang="ja-JP" altLang="en-US" sz="1600" dirty="0">
+                <a:solidFill>
+                  <a:schemeClr val="bg1"/>
+                </a:solidFill>
+                <a:effectLst>
+                  <a:glow rad="76200">
+                    <a:schemeClr val="tx1"/>
+                  </a:glow>
+                </a:effectLst>
+                <a:latin typeface="HGP創英角ｺﾞｼｯｸUB" panose="020B0900000000000000" pitchFamily="50" charset="-128"/>
+                <a:ea typeface="HGP創英角ｺﾞｼｯｸUB" panose="020B0900000000000000" pitchFamily="50" charset="-128"/>
+              </a:rPr>
+              <a:t>しよう！</a:t>
+            </a:r>
+          </a:p>
+        </p:txBody>
+      </p:sp>
+      <p:sp>
+        <p:nvSpPr>
+          <p:cNvPr id="10" name="四角形: 対角を切り取る 9">
+            <a:extLst>
+              <a:ext uri="{FF2B5EF4-FFF2-40B4-BE49-F238E27FC236}">
+                <a16:creationId xmlns:a16="http://schemas.microsoft.com/office/drawing/2014/main" id="{163AA2AE-A2A4-4431-BC78-F42C39A66B3F}"/>
+              </a:ext>
+            </a:extLst>
+          </p:cNvPr>
+          <p:cNvSpPr/>
+          <p:nvPr/>
+        </p:nvSpPr>
+        <p:spPr>
+          <a:xfrm>
+            <a:off x="3429000" y="3072474"/>
+            <a:ext cx="2839453" cy="1024813"/>
+          </a:xfrm>
+          <a:prstGeom prst="snip2DiagRect">
+            <a:avLst>
+              <a:gd name="adj1" fmla="val 0"/>
+              <a:gd name="adj2" fmla="val 0"/>
+            </a:avLst>
+          </a:prstGeom>
+          <a:solidFill>
+            <a:srgbClr val="CCECFF"/>
+          </a:solidFill>
+          <a:ln w="25400">
+            <a:solidFill>
+              <a:schemeClr val="tx1"/>
+            </a:solidFill>
+          </a:ln>
+          <a:effectLst>
+            <a:outerShdw blurRad="50800" dist="38100" dir="2700000" algn="tl" rotWithShape="0">
+              <a:prstClr val="black">
+                <a:alpha val="40000"/>
+              </a:prstClr>
+            </a:outerShdw>
+          </a:effectLst>
+        </p:spPr>
+        <p:style>
+          <a:lnRef idx="3">
+            <a:schemeClr val="lt1"/>
+          </a:lnRef>
+          <a:fillRef idx="1">
+            <a:schemeClr val="accent1"/>
+          </a:fillRef>
+          <a:effectRef idx="1">
+            <a:schemeClr val="accent1"/>
+          </a:effectRef>
+          <a:fontRef idx="minor">
+            <a:schemeClr val="lt1"/>
+          </a:fontRef>
+        </p:style>
+        <p:txBody>
+          <a:bodyPr rtlCol="0" anchor="ctr"/>
+          <a:lstStyle/>
+          <a:p>
+            <a:pPr algn="ctr"/>
+            <a:r>
+              <a:rPr kumimoji="1" lang="ja-JP" altLang="en-US" sz="1600" dirty="0">
+                <a:effectLst>
+                  <a:glow rad="76200">
+                    <a:schemeClr val="tx1"/>
+                  </a:glow>
+                </a:effectLst>
+                <a:latin typeface="HGP創英角ｺﾞｼｯｸUB" panose="020B0900000000000000" pitchFamily="50" charset="-128"/>
+                <a:ea typeface="HGP創英角ｺﾞｼｯｸUB" panose="020B0900000000000000" pitchFamily="50" charset="-128"/>
+              </a:rPr>
+              <a:t>他プレイヤーを</a:t>
+            </a:r>
+            <a:r>
+              <a:rPr kumimoji="1" lang="ja-JP" altLang="en-US" b="1" dirty="0">
+                <a:solidFill>
+                  <a:srgbClr val="FF0000"/>
+                </a:solidFill>
+                <a:effectLst>
+                  <a:glow rad="88900">
+                    <a:srgbClr val="FFFF00"/>
+                  </a:glow>
+                </a:effectLst>
+                <a:latin typeface="HGP創英角ｺﾞｼｯｸUB" panose="020B0900000000000000" pitchFamily="50" charset="-128"/>
+                <a:ea typeface="HGP創英角ｺﾞｼｯｸUB" panose="020B0900000000000000" pitchFamily="50" charset="-128"/>
+              </a:rPr>
+              <a:t>押しのけて</a:t>
+            </a:r>
+            <a:r>
+              <a:rPr kumimoji="1" lang="ja-JP" altLang="en-US" b="1" spc="-300" dirty="0">
+                <a:solidFill>
+                  <a:srgbClr val="FF0000"/>
+                </a:solidFill>
+                <a:effectLst>
+                  <a:glow rad="88900">
+                    <a:srgbClr val="FFFF00"/>
+                  </a:glow>
+                </a:effectLst>
+                <a:latin typeface="HGP創英角ｺﾞｼｯｸUB" panose="020B0900000000000000" pitchFamily="50" charset="-128"/>
+                <a:ea typeface="HGP創英角ｺﾞｼｯｸUB" panose="020B0900000000000000" pitchFamily="50" charset="-128"/>
+              </a:rPr>
+              <a:t> </a:t>
+            </a:r>
+            <a:endParaRPr kumimoji="1" lang="en-US" altLang="ja-JP" b="1" spc="-300" dirty="0">
+              <a:solidFill>
+                <a:srgbClr val="FF0000"/>
+              </a:solidFill>
+              <a:effectLst>
+                <a:glow rad="88900">
+                  <a:srgbClr val="FFFF00"/>
+                </a:glow>
+              </a:effectLst>
+              <a:latin typeface="HGP創英角ｺﾞｼｯｸUB" panose="020B0900000000000000" pitchFamily="50" charset="-128"/>
+              <a:ea typeface="HGP創英角ｺﾞｼｯｸUB" panose="020B0900000000000000" pitchFamily="50" charset="-128"/>
+            </a:endParaRPr>
+          </a:p>
+          <a:p>
+            <a:pPr algn="ctr"/>
+            <a:r>
+              <a:rPr kumimoji="1" lang="ja-JP" altLang="en-US" sz="1600" dirty="0">
+                <a:effectLst>
+                  <a:glow rad="76200">
+                    <a:schemeClr val="tx1"/>
+                  </a:glow>
+                </a:effectLst>
+                <a:latin typeface="HGP創英角ｺﾞｼｯｸUB" panose="020B0900000000000000" pitchFamily="50" charset="-128"/>
+                <a:ea typeface="HGP創英角ｺﾞｼｯｸUB" panose="020B0900000000000000" pitchFamily="50" charset="-128"/>
+              </a:rPr>
+              <a:t>自分だけ強くなることも？</a:t>
+            </a:r>
+          </a:p>
+        </p:txBody>
+      </p:sp>
+      <p:sp>
+        <p:nvSpPr>
+          <p:cNvPr id="7" name="正方形/長方形 6">
+            <a:extLst>
+              <a:ext uri="{FF2B5EF4-FFF2-40B4-BE49-F238E27FC236}">
+                <a16:creationId xmlns:a16="http://schemas.microsoft.com/office/drawing/2014/main" id="{A4B54B5F-81AC-4F93-9CC0-CDB9C5E0FDE5}"/>
+              </a:ext>
+            </a:extLst>
+          </p:cNvPr>
+          <p:cNvSpPr/>
+          <p:nvPr/>
+        </p:nvSpPr>
+        <p:spPr>
+          <a:xfrm rot="437003">
+            <a:off x="3458309" y="5020465"/>
+            <a:ext cx="2832827" cy="461665"/>
+          </a:xfrm>
+          <a:prstGeom prst="rect">
+            <a:avLst/>
+          </a:prstGeom>
+          <a:effectLst>
+            <a:glow>
+              <a:schemeClr val="bg1"/>
+            </a:glow>
+          </a:effectLst>
+        </p:spPr>
+        <p:txBody>
+          <a:bodyPr wrap="none">
+            <a:spAutoFit/>
+          </a:bodyPr>
+          <a:lstStyle/>
+          <a:p>
+            <a:pPr algn="ctr"/>
+            <a:r>
+              <a:rPr lang="ja-JP" altLang="en-US" dirty="0">
+                <a:solidFill>
+                  <a:schemeClr val="bg1"/>
+                </a:solidFill>
+                <a:effectLst>
+                  <a:glow rad="76200">
+                    <a:schemeClr val="tx1">
+                      <a:alpha val="80000"/>
+                    </a:schemeClr>
+                  </a:glow>
+                </a:effectLst>
+                <a:latin typeface="HGP創英角ｺﾞｼｯｸUB" panose="020B0900000000000000" pitchFamily="50" charset="-128"/>
+                <a:ea typeface="HGP創英角ｺﾞｼｯｸUB" panose="020B0900000000000000" pitchFamily="50" charset="-128"/>
+              </a:rPr>
+              <a:t>最終戦では</a:t>
+            </a:r>
+            <a:r>
+              <a:rPr lang="ja-JP" altLang="en-US" sz="2400" dirty="0">
+                <a:gradFill>
+                  <a:gsLst>
+                    <a:gs pos="0">
+                      <a:srgbClr val="E4931C"/>
+                    </a:gs>
+                    <a:gs pos="48000">
+                      <a:srgbClr val="FFD85D"/>
+                    </a:gs>
+                    <a:gs pos="100000">
+                      <a:srgbClr val="E4931C"/>
+                    </a:gs>
+                  </a:gsLst>
+                  <a:lin ang="5400000" scaled="1"/>
+                </a:gradFill>
+                <a:effectLst>
+                  <a:glow rad="127000">
+                    <a:srgbClr val="FF0000"/>
+                  </a:glow>
+                </a:effectLst>
+                <a:latin typeface="HGP創英角ｺﾞｼｯｸUB" panose="020B0900000000000000" pitchFamily="50" charset="-128"/>
+                <a:ea typeface="HGP創英角ｺﾞｼｯｸUB" panose="020B0900000000000000" pitchFamily="50" charset="-128"/>
+              </a:rPr>
+              <a:t>合体！！！</a:t>
+            </a:r>
+            <a:endParaRPr lang="en-US" altLang="ja-JP" dirty="0">
+              <a:gradFill>
+                <a:gsLst>
+                  <a:gs pos="0">
+                    <a:srgbClr val="E4931C"/>
+                  </a:gs>
+                  <a:gs pos="48000">
+                    <a:srgbClr val="FFD85D"/>
+                  </a:gs>
+                  <a:gs pos="100000">
+                    <a:srgbClr val="E4931C"/>
+                  </a:gs>
+                </a:gsLst>
+                <a:lin ang="5400000" scaled="1"/>
+              </a:gradFill>
+              <a:effectLst>
+                <a:glow rad="127000">
+                  <a:srgbClr val="FF0000"/>
+                </a:glow>
+              </a:effectLst>
+              <a:latin typeface="HGP創英角ｺﾞｼｯｸUB" panose="020B0900000000000000" pitchFamily="50" charset="-128"/>
+              <a:ea typeface="HGP創英角ｺﾞｼｯｸUB" panose="020B0900000000000000" pitchFamily="50" charset="-128"/>
+            </a:endParaRPr>
+          </a:p>
+        </p:txBody>
+      </p:sp>
+      <p:sp>
+        <p:nvSpPr>
+          <p:cNvPr id="24" name="四角形: 角を丸くする 23">
+            <a:extLst>
+              <a:ext uri="{FF2B5EF4-FFF2-40B4-BE49-F238E27FC236}">
+                <a16:creationId xmlns:a16="http://schemas.microsoft.com/office/drawing/2014/main" id="{2CAA08C8-ED82-4298-8A5B-3993F4EBB4C6}"/>
+              </a:ext>
+            </a:extLst>
+          </p:cNvPr>
+          <p:cNvSpPr/>
+          <p:nvPr/>
+        </p:nvSpPr>
+        <p:spPr>
+          <a:xfrm>
+            <a:off x="1605780" y="4432057"/>
+            <a:ext cx="3646431" cy="520943"/>
+          </a:xfrm>
+          <a:prstGeom prst="roundRect">
+            <a:avLst/>
+          </a:prstGeom>
+          <a:solidFill>
+            <a:schemeClr val="accent1">
+              <a:lumMod val="60000"/>
+              <a:lumOff val="40000"/>
+            </a:schemeClr>
+          </a:solidFill>
+          <a:ln w="25400">
+            <a:solidFill>
+              <a:schemeClr val="bg1"/>
+            </a:solidFill>
+          </a:ln>
+          <a:effectLst>
+            <a:outerShdw blurRad="50800" dist="38100" dir="2700000" algn="tl" rotWithShape="0">
+              <a:prstClr val="black">
+                <a:alpha val="40000"/>
+              </a:prstClr>
+            </a:outerShdw>
+          </a:effectLst>
+        </p:spPr>
+        <p:style>
+          <a:lnRef idx="2">
+            <a:schemeClr val="accent1">
+              <a:shade val="50000"/>
+            </a:schemeClr>
+          </a:lnRef>
+          <a:fillRef idx="1">
+            <a:schemeClr val="accent1"/>
+          </a:fillRef>
+          <a:effectRef idx="0">
+            <a:schemeClr val="accent1"/>
+          </a:effectRef>
+          <a:fontRef idx="minor">
+            <a:schemeClr val="lt1"/>
+          </a:fontRef>
+        </p:style>
+        <p:txBody>
+          <a:bodyPr rtlCol="0" anchor="ctr"/>
+          <a:lstStyle/>
+          <a:p>
+            <a:pPr algn="ctr"/>
+            <a:r>
+              <a:rPr lang="ja-JP" altLang="en-US" sz="2400" b="1" dirty="0">
+                <a:gradFill flip="none" rotWithShape="1">
+                  <a:gsLst>
+                    <a:gs pos="0">
+                      <a:schemeClr val="bg1">
+                        <a:lumMod val="65000"/>
+                      </a:schemeClr>
+                    </a:gs>
+                    <a:gs pos="100000">
+                      <a:schemeClr val="bg1">
+                        <a:lumMod val="65000"/>
+                      </a:schemeClr>
+                    </a:gs>
+                    <a:gs pos="49000">
+                      <a:schemeClr val="bg1"/>
+                    </a:gs>
+                  </a:gsLst>
+                  <a:lin ang="2700000" scaled="1"/>
+                  <a:tileRect/>
+                </a:gradFill>
+                <a:effectLst>
+                  <a:glow rad="88900">
+                    <a:schemeClr val="tx1">
+                      <a:alpha val="80000"/>
+                    </a:schemeClr>
+                  </a:glow>
+                </a:effectLst>
+                <a:latin typeface="HGP創英角ｺﾞｼｯｸUB" panose="020B0900000000000000" pitchFamily="50" charset="-128"/>
+                <a:ea typeface="HGP創英角ｺﾞｼｯｸUB" panose="020B0900000000000000" pitchFamily="50" charset="-128"/>
+              </a:rPr>
+              <a:t>協力プレイ</a:t>
+            </a:r>
+          </a:p>
+        </p:txBody>
+      </p:sp>
+      <p:grpSp>
+        <p:nvGrpSpPr>
+          <p:cNvPr id="38" name="グループ化 37">
+            <a:extLst>
+              <a:ext uri="{FF2B5EF4-FFF2-40B4-BE49-F238E27FC236}">
+                <a16:creationId xmlns:a16="http://schemas.microsoft.com/office/drawing/2014/main" id="{647CCA7A-4F2B-4586-8486-DD96619D9594}"/>
+              </a:ext>
+            </a:extLst>
+          </p:cNvPr>
+          <p:cNvGrpSpPr/>
+          <p:nvPr/>
+        </p:nvGrpSpPr>
+        <p:grpSpPr>
+          <a:xfrm>
+            <a:off x="598958" y="6175013"/>
+            <a:ext cx="866636" cy="1471489"/>
+            <a:chOff x="-2909513" y="2086293"/>
+            <a:chExt cx="2787868" cy="4733607"/>
+          </a:xfrm>
+        </p:grpSpPr>
+        <p:sp>
+          <p:nvSpPr>
+            <p:cNvPr id="16" name="正方形/長方形 15">
+              <a:extLst>
+                <a:ext uri="{FF2B5EF4-FFF2-40B4-BE49-F238E27FC236}">
+                  <a16:creationId xmlns:a16="http://schemas.microsoft.com/office/drawing/2014/main" id="{E2DD014B-E0B0-464A-A111-B4213E868EB3}"/>
+                </a:ext>
+              </a:extLst>
+            </p:cNvPr>
+            <p:cNvSpPr/>
+            <p:nvPr/>
+          </p:nvSpPr>
+          <p:spPr>
+            <a:xfrm>
+              <a:off x="-2235516" y="5021580"/>
+              <a:ext cx="533400" cy="1798320"/>
+            </a:xfrm>
+            <a:prstGeom prst="rect">
+              <a:avLst/>
+            </a:prstGeom>
+            <a:solidFill>
+              <a:srgbClr val="0070C0"/>
+            </a:solidFill>
+            <a:ln w="38100">
+              <a:solidFill>
+                <a:schemeClr val="bg1"/>
+              </a:solidFill>
+            </a:ln>
+          </p:spPr>
+          <p:style>
+            <a:lnRef idx="2">
+              <a:schemeClr val="accent1">
+                <a:shade val="50000"/>
+              </a:schemeClr>
+            </a:lnRef>
+            <a:fillRef idx="1">
+              <a:schemeClr val="accent1"/>
+            </a:fillRef>
+            <a:effectRef idx="0">
+              <a:schemeClr val="accent1"/>
+            </a:effectRef>
+            <a:fontRef idx="minor">
+              <a:schemeClr val="lt1"/>
+            </a:fontRef>
+          </p:style>
+          <p:txBody>
+            <a:bodyPr rtlCol="0" anchor="ctr"/>
+            <a:lstStyle/>
+            <a:p>
+              <a:pPr algn="ctr"/>
+              <a:endParaRPr kumimoji="1" lang="ja-JP" altLang="en-US"/>
+            </a:p>
+          </p:txBody>
+        </p:sp>
+        <p:sp>
+          <p:nvSpPr>
+            <p:cNvPr id="26" name="正方形/長方形 25">
+              <a:extLst>
+                <a:ext uri="{FF2B5EF4-FFF2-40B4-BE49-F238E27FC236}">
+                  <a16:creationId xmlns:a16="http://schemas.microsoft.com/office/drawing/2014/main" id="{A4FB979A-ED27-4654-A598-74FCFA21DE30}"/>
+                </a:ext>
+              </a:extLst>
+            </p:cNvPr>
+            <p:cNvSpPr/>
+            <p:nvPr/>
+          </p:nvSpPr>
+          <p:spPr>
+            <a:xfrm>
+              <a:off x="-1266009" y="5021580"/>
+              <a:ext cx="533400" cy="1798320"/>
+            </a:xfrm>
+            <a:prstGeom prst="rect">
+              <a:avLst/>
+            </a:prstGeom>
+            <a:solidFill>
+              <a:srgbClr val="0070C0"/>
+            </a:solidFill>
+            <a:ln w="38100">
+              <a:solidFill>
+                <a:schemeClr val="bg1"/>
+              </a:solidFill>
+            </a:ln>
+          </p:spPr>
+          <p:style>
+            <a:lnRef idx="2">
+              <a:schemeClr val="accent1">
+                <a:shade val="50000"/>
+              </a:schemeClr>
+            </a:lnRef>
+            <a:fillRef idx="1">
+              <a:schemeClr val="accent1"/>
+            </a:fillRef>
+            <a:effectRef idx="0">
+              <a:schemeClr val="accent1"/>
+            </a:effectRef>
+            <a:fontRef idx="minor">
+              <a:schemeClr val="lt1"/>
+            </a:fontRef>
+          </p:style>
+          <p:txBody>
+            <a:bodyPr rtlCol="0" anchor="ctr"/>
+            <a:lstStyle/>
+            <a:p>
+              <a:pPr algn="ctr"/>
+              <a:endParaRPr kumimoji="1" lang="ja-JP" altLang="en-US"/>
+            </a:p>
+          </p:txBody>
+        </p:sp>
+        <p:grpSp>
+          <p:nvGrpSpPr>
+            <p:cNvPr id="28" name="グループ化 27">
+              <a:extLst>
+                <a:ext uri="{FF2B5EF4-FFF2-40B4-BE49-F238E27FC236}">
+                  <a16:creationId xmlns:a16="http://schemas.microsoft.com/office/drawing/2014/main" id="{F3A9E271-F237-4B57-801D-BE65D76E7D2C}"/>
+                </a:ext>
+              </a:extLst>
+            </p:cNvPr>
+            <p:cNvGrpSpPr/>
+            <p:nvPr/>
+          </p:nvGrpSpPr>
+          <p:grpSpPr>
+            <a:xfrm>
+              <a:off x="-2909513" y="3037515"/>
+              <a:ext cx="533400" cy="1881243"/>
+              <a:chOff x="-2909513" y="3037515"/>
+              <a:chExt cx="533400" cy="1881243"/>
+            </a:xfrm>
+          </p:grpSpPr>
+          <p:sp>
+            <p:nvSpPr>
+              <p:cNvPr id="27" name="正方形/長方形 26">
+                <a:extLst>
+                  <a:ext uri="{FF2B5EF4-FFF2-40B4-BE49-F238E27FC236}">
+                    <a16:creationId xmlns:a16="http://schemas.microsoft.com/office/drawing/2014/main" id="{E7B8FB6C-602D-4CF7-8DE7-D83F0EAA00A6}"/>
+                  </a:ext>
+                </a:extLst>
+              </p:cNvPr>
+              <p:cNvSpPr/>
+              <p:nvPr/>
+            </p:nvSpPr>
+            <p:spPr>
+              <a:xfrm>
+                <a:off x="-2909513" y="3037515"/>
+                <a:ext cx="533400" cy="1346496"/>
+              </a:xfrm>
+              <a:prstGeom prst="rect">
+                <a:avLst/>
+              </a:prstGeom>
+              <a:solidFill>
+                <a:srgbClr val="00B050"/>
+              </a:solidFill>
+              <a:ln w="38100">
+                <a:solidFill>
+                  <a:schemeClr val="bg1"/>
+                </a:solidFill>
+              </a:ln>
+            </p:spPr>
+            <p:style>
+              <a:lnRef idx="2">
+                <a:schemeClr val="accent1">
+                  <a:shade val="50000"/>
+                </a:schemeClr>
+              </a:lnRef>
+              <a:fillRef idx="1">
+                <a:schemeClr val="accent1"/>
+              </a:fillRef>
+              <a:effectRef idx="0">
+                <a:schemeClr val="accent1"/>
+              </a:effectRef>
+              <a:fontRef idx="minor">
+                <a:schemeClr val="lt1"/>
+              </a:fontRef>
+            </p:style>
+            <p:txBody>
+              <a:bodyPr rtlCol="0" anchor="ctr"/>
+              <a:lstStyle/>
+              <a:p>
+                <a:pPr algn="ctr"/>
+                <a:endParaRPr kumimoji="1" lang="ja-JP" altLang="en-US"/>
+              </a:p>
+            </p:txBody>
+          </p:sp>
+          <p:sp>
+            <p:nvSpPr>
+              <p:cNvPr id="22" name="楕円 21">
+                <a:extLst>
+                  <a:ext uri="{FF2B5EF4-FFF2-40B4-BE49-F238E27FC236}">
+                    <a16:creationId xmlns:a16="http://schemas.microsoft.com/office/drawing/2014/main" id="{76D2DD39-488A-453A-8BE9-04CA08DED3A0}"/>
+                  </a:ext>
+                </a:extLst>
+              </p:cNvPr>
+              <p:cNvSpPr/>
+              <p:nvPr/>
+            </p:nvSpPr>
+            <p:spPr>
+              <a:xfrm>
+                <a:off x="-2909513" y="4385358"/>
+                <a:ext cx="533400" cy="533400"/>
+              </a:xfrm>
+              <a:prstGeom prst="ellipse">
+                <a:avLst/>
+              </a:prstGeom>
+              <a:solidFill>
+                <a:srgbClr val="00B050"/>
+              </a:solidFill>
+              <a:ln w="38100">
+                <a:solidFill>
+                  <a:schemeClr val="bg1"/>
+                </a:solidFill>
+              </a:ln>
+            </p:spPr>
+            <p:style>
+              <a:lnRef idx="2">
+                <a:schemeClr val="accent1">
+                  <a:shade val="50000"/>
+                </a:schemeClr>
+              </a:lnRef>
+              <a:fillRef idx="1">
+                <a:schemeClr val="accent1"/>
+              </a:fillRef>
+              <a:effectRef idx="0">
+                <a:schemeClr val="accent1"/>
+              </a:effectRef>
+              <a:fontRef idx="minor">
+                <a:schemeClr val="lt1"/>
+              </a:fontRef>
+            </p:style>
+            <p:txBody>
+              <a:bodyPr rtlCol="0" anchor="ctr"/>
+              <a:lstStyle/>
+              <a:p>
+                <a:pPr algn="ctr"/>
+                <a:endParaRPr kumimoji="1" lang="ja-JP" altLang="en-US"/>
+              </a:p>
+            </p:txBody>
+          </p:sp>
+        </p:grpSp>
+        <p:grpSp>
+          <p:nvGrpSpPr>
+            <p:cNvPr id="29" name="グループ化 28">
+              <a:extLst>
+                <a:ext uri="{FF2B5EF4-FFF2-40B4-BE49-F238E27FC236}">
+                  <a16:creationId xmlns:a16="http://schemas.microsoft.com/office/drawing/2014/main" id="{BF78877B-2999-415E-8CFA-EACA9B29A145}"/>
+                </a:ext>
+              </a:extLst>
+            </p:cNvPr>
+            <p:cNvGrpSpPr/>
+            <p:nvPr/>
+          </p:nvGrpSpPr>
+          <p:grpSpPr>
+            <a:xfrm>
+              <a:off x="-655045" y="3037515"/>
+              <a:ext cx="533400" cy="1881243"/>
+              <a:chOff x="-2909513" y="3037515"/>
+              <a:chExt cx="533400" cy="1881243"/>
+            </a:xfrm>
+          </p:grpSpPr>
+          <p:sp>
+            <p:nvSpPr>
+              <p:cNvPr id="30" name="正方形/長方形 29">
+                <a:extLst>
+                  <a:ext uri="{FF2B5EF4-FFF2-40B4-BE49-F238E27FC236}">
+                    <a16:creationId xmlns:a16="http://schemas.microsoft.com/office/drawing/2014/main" id="{A6684C46-D733-4A15-9EB4-2FFD92C4976D}"/>
+                  </a:ext>
+                </a:extLst>
+              </p:cNvPr>
+              <p:cNvSpPr/>
+              <p:nvPr/>
+            </p:nvSpPr>
+            <p:spPr>
+              <a:xfrm>
+                <a:off x="-2909513" y="3037515"/>
+                <a:ext cx="533400" cy="1346496"/>
+              </a:xfrm>
+              <a:prstGeom prst="rect">
+                <a:avLst/>
+              </a:prstGeom>
+              <a:solidFill>
+                <a:srgbClr val="FFFF00"/>
+              </a:solidFill>
+              <a:ln w="38100">
+                <a:solidFill>
+                  <a:schemeClr val="bg1"/>
+                </a:solidFill>
+              </a:ln>
+            </p:spPr>
+            <p:style>
+              <a:lnRef idx="2">
+                <a:schemeClr val="accent1">
+                  <a:shade val="50000"/>
+                </a:schemeClr>
+              </a:lnRef>
+              <a:fillRef idx="1">
+                <a:schemeClr val="accent1"/>
+              </a:fillRef>
+              <a:effectRef idx="0">
+                <a:schemeClr val="accent1"/>
+              </a:effectRef>
+              <a:fontRef idx="minor">
+                <a:schemeClr val="lt1"/>
+              </a:fontRef>
+            </p:style>
+            <p:txBody>
+              <a:bodyPr rtlCol="0" anchor="ctr"/>
+              <a:lstStyle/>
+              <a:p>
+                <a:pPr algn="ctr"/>
+                <a:endParaRPr kumimoji="1" lang="ja-JP" altLang="en-US"/>
+              </a:p>
+            </p:txBody>
+          </p:sp>
+          <p:sp>
+            <p:nvSpPr>
+              <p:cNvPr id="31" name="楕円 30">
+                <a:extLst>
+                  <a:ext uri="{FF2B5EF4-FFF2-40B4-BE49-F238E27FC236}">
+                    <a16:creationId xmlns:a16="http://schemas.microsoft.com/office/drawing/2014/main" id="{DBD92B2F-7189-446A-BA1E-392427C052AF}"/>
+                  </a:ext>
+                </a:extLst>
+              </p:cNvPr>
+              <p:cNvSpPr/>
+              <p:nvPr/>
+            </p:nvSpPr>
+            <p:spPr>
+              <a:xfrm>
+                <a:off x="-2909513" y="4385358"/>
+                <a:ext cx="533400" cy="533400"/>
+              </a:xfrm>
+              <a:prstGeom prst="ellipse">
+                <a:avLst/>
+              </a:prstGeom>
+              <a:solidFill>
+                <a:srgbClr val="FFFF00"/>
+              </a:solidFill>
+              <a:ln w="38100">
+                <a:solidFill>
+                  <a:schemeClr val="bg1"/>
+                </a:solidFill>
+              </a:ln>
+            </p:spPr>
+            <p:style>
+              <a:lnRef idx="2">
+                <a:schemeClr val="accent1">
+                  <a:shade val="50000"/>
+                </a:schemeClr>
+              </a:lnRef>
+              <a:fillRef idx="1">
+                <a:schemeClr val="accent1"/>
+              </a:fillRef>
+              <a:effectRef idx="0">
+                <a:schemeClr val="accent1"/>
+              </a:effectRef>
+              <a:fontRef idx="minor">
+                <a:schemeClr val="lt1"/>
+              </a:fontRef>
+            </p:style>
+            <p:txBody>
+              <a:bodyPr rtlCol="0" anchor="ctr"/>
+              <a:lstStyle/>
+              <a:p>
+                <a:pPr algn="ctr"/>
+                <a:endParaRPr kumimoji="1" lang="ja-JP" altLang="en-US"/>
+              </a:p>
+            </p:txBody>
+          </p:sp>
+        </p:grpSp>
+        <p:grpSp>
+          <p:nvGrpSpPr>
+            <p:cNvPr id="37" name="グループ化 36">
+              <a:extLst>
+                <a:ext uri="{FF2B5EF4-FFF2-40B4-BE49-F238E27FC236}">
+                  <a16:creationId xmlns:a16="http://schemas.microsoft.com/office/drawing/2014/main" id="{9F3F5509-4FAF-4C81-809B-119E2074C03A}"/>
+                </a:ext>
+              </a:extLst>
+            </p:cNvPr>
+            <p:cNvGrpSpPr/>
+            <p:nvPr/>
+          </p:nvGrpSpPr>
+          <p:grpSpPr>
+            <a:xfrm>
+              <a:off x="-2346921" y="2086293"/>
+              <a:ext cx="1746912" cy="2832465"/>
+              <a:chOff x="-2346921" y="2086293"/>
+              <a:chExt cx="1746912" cy="2832465"/>
+            </a:xfrm>
+          </p:grpSpPr>
+          <p:sp>
+            <p:nvSpPr>
+              <p:cNvPr id="32" name="正方形/長方形 31">
+                <a:extLst>
+                  <a:ext uri="{FF2B5EF4-FFF2-40B4-BE49-F238E27FC236}">
+                    <a16:creationId xmlns:a16="http://schemas.microsoft.com/office/drawing/2014/main" id="{8FDBFF8B-6CA3-4458-8766-031A61756B04}"/>
+                  </a:ext>
+                </a:extLst>
+              </p:cNvPr>
+              <p:cNvSpPr/>
+              <p:nvPr/>
+            </p:nvSpPr>
+            <p:spPr>
+              <a:xfrm>
+                <a:off x="-2235516" y="3037515"/>
+                <a:ext cx="1502907" cy="1881243"/>
+              </a:xfrm>
+              <a:prstGeom prst="rect">
+                <a:avLst/>
+              </a:prstGeom>
+              <a:solidFill>
+                <a:srgbClr val="FF0000"/>
+              </a:solidFill>
+              <a:ln w="38100">
+                <a:solidFill>
+                  <a:schemeClr val="bg1"/>
+                </a:solidFill>
+              </a:ln>
+            </p:spPr>
+            <p:style>
+              <a:lnRef idx="2">
+                <a:schemeClr val="accent1">
+                  <a:shade val="50000"/>
+                </a:schemeClr>
+              </a:lnRef>
+              <a:fillRef idx="1">
+                <a:schemeClr val="accent1"/>
+              </a:fillRef>
+              <a:effectRef idx="0">
+                <a:schemeClr val="accent1"/>
+              </a:effectRef>
+              <a:fontRef idx="minor">
+                <a:schemeClr val="lt1"/>
+              </a:fontRef>
+            </p:style>
+            <p:txBody>
+              <a:bodyPr rtlCol="0" anchor="ctr"/>
+              <a:lstStyle/>
+              <a:p>
+                <a:pPr algn="ctr"/>
+                <a:endParaRPr kumimoji="1" lang="ja-JP" altLang="en-US"/>
+              </a:p>
+            </p:txBody>
+          </p:sp>
+          <p:grpSp>
+            <p:nvGrpSpPr>
+              <p:cNvPr id="36" name="グループ化 35">
+                <a:extLst>
+                  <a:ext uri="{FF2B5EF4-FFF2-40B4-BE49-F238E27FC236}">
+                    <a16:creationId xmlns:a16="http://schemas.microsoft.com/office/drawing/2014/main" id="{50C5FD6E-3F42-44AD-AAA9-6442BBF6C3C3}"/>
+                  </a:ext>
+                </a:extLst>
+              </p:cNvPr>
+              <p:cNvGrpSpPr/>
+              <p:nvPr/>
+            </p:nvGrpSpPr>
+            <p:grpSpPr>
+              <a:xfrm>
+                <a:off x="-2346921" y="2086293"/>
+                <a:ext cx="1746912" cy="951222"/>
+                <a:chOff x="-2346921" y="2086293"/>
+                <a:chExt cx="1746912" cy="951222"/>
+              </a:xfrm>
+            </p:grpSpPr>
+            <p:sp>
+              <p:nvSpPr>
+                <p:cNvPr id="33" name="正方形/長方形 32">
+                  <a:extLst>
+                    <a:ext uri="{FF2B5EF4-FFF2-40B4-BE49-F238E27FC236}">
+                      <a16:creationId xmlns:a16="http://schemas.microsoft.com/office/drawing/2014/main" id="{E373CF33-6EBF-469C-9A40-EE33E5653B00}"/>
+                    </a:ext>
+                  </a:extLst>
+                </p:cNvPr>
+                <p:cNvSpPr/>
+                <p:nvPr/>
+              </p:nvSpPr>
+              <p:spPr>
+                <a:xfrm>
+                  <a:off x="-1864604" y="2227452"/>
+                  <a:ext cx="761082" cy="810063"/>
+                </a:xfrm>
+                <a:prstGeom prst="rect">
+                  <a:avLst/>
+                </a:prstGeom>
+                <a:solidFill>
+                  <a:srgbClr val="FF0000"/>
+                </a:solidFill>
+                <a:ln w="38100">
+                  <a:solidFill>
+                    <a:schemeClr val="bg1"/>
+                  </a:solidFill>
+                </a:ln>
+              </p:spPr>
+              <p:style>
+                <a:lnRef idx="2">
+                  <a:schemeClr val="accent1">
+                    <a:shade val="50000"/>
+                  </a:schemeClr>
+                </a:lnRef>
+                <a:fillRef idx="1">
+                  <a:schemeClr val="accent1"/>
+                </a:fillRef>
+                <a:effectRef idx="0">
+                  <a:schemeClr val="accent1"/>
+                </a:effectRef>
+                <a:fontRef idx="minor">
+                  <a:schemeClr val="lt1"/>
+                </a:fontRef>
+              </p:style>
+              <p:txBody>
+                <a:bodyPr rtlCol="0" anchor="ctr"/>
+                <a:lstStyle/>
+                <a:p>
+                  <a:pPr algn="ctr"/>
+                  <a:endParaRPr kumimoji="1" lang="ja-JP" altLang="en-US"/>
+                </a:p>
+              </p:txBody>
+            </p:sp>
+            <p:sp>
+              <p:nvSpPr>
+                <p:cNvPr id="34" name="正方形/長方形 33">
+                  <a:extLst>
+                    <a:ext uri="{FF2B5EF4-FFF2-40B4-BE49-F238E27FC236}">
+                      <a16:creationId xmlns:a16="http://schemas.microsoft.com/office/drawing/2014/main" id="{DC3FC022-A850-4F87-A1D0-F82BEB383C34}"/>
+                    </a:ext>
+                  </a:extLst>
+                </p:cNvPr>
+                <p:cNvSpPr/>
+                <p:nvPr/>
+              </p:nvSpPr>
+              <p:spPr>
+                <a:xfrm rot="1800000">
+                  <a:off x="-2346921" y="2086293"/>
+                  <a:ext cx="593721" cy="261959"/>
+                </a:xfrm>
+                <a:prstGeom prst="rect">
+                  <a:avLst/>
+                </a:prstGeom>
+                <a:solidFill>
+                  <a:srgbClr val="FF0000"/>
+                </a:solidFill>
+                <a:ln w="38100">
+                  <a:solidFill>
+                    <a:schemeClr val="bg1"/>
+                  </a:solidFill>
+                </a:ln>
+              </p:spPr>
+              <p:style>
+                <a:lnRef idx="2">
+                  <a:schemeClr val="accent1">
+                    <a:shade val="50000"/>
+                  </a:schemeClr>
+                </a:lnRef>
+                <a:fillRef idx="1">
+                  <a:schemeClr val="accent1"/>
+                </a:fillRef>
+                <a:effectRef idx="0">
+                  <a:schemeClr val="accent1"/>
+                </a:effectRef>
+                <a:fontRef idx="minor">
+                  <a:schemeClr val="lt1"/>
+                </a:fontRef>
+              </p:style>
+              <p:txBody>
+                <a:bodyPr rtlCol="0" anchor="ctr"/>
+                <a:lstStyle/>
+                <a:p>
+                  <a:pPr algn="ctr"/>
+                  <a:endParaRPr kumimoji="1" lang="ja-JP" altLang="en-US"/>
+                </a:p>
+              </p:txBody>
+            </p:sp>
+            <p:sp>
+              <p:nvSpPr>
+                <p:cNvPr id="35" name="正方形/長方形 34">
+                  <a:extLst>
+                    <a:ext uri="{FF2B5EF4-FFF2-40B4-BE49-F238E27FC236}">
+                      <a16:creationId xmlns:a16="http://schemas.microsoft.com/office/drawing/2014/main" id="{C7D4DB71-208D-4C0B-B979-31460FB2A06C}"/>
+                    </a:ext>
+                  </a:extLst>
+                </p:cNvPr>
+                <p:cNvSpPr/>
+                <p:nvPr/>
+              </p:nvSpPr>
+              <p:spPr>
+                <a:xfrm rot="19800000">
+                  <a:off x="-1193730" y="2086294"/>
+                  <a:ext cx="593721" cy="261959"/>
+                </a:xfrm>
+                <a:prstGeom prst="rect">
+                  <a:avLst/>
+                </a:prstGeom>
+                <a:solidFill>
+                  <a:srgbClr val="FF0000"/>
+                </a:solidFill>
+                <a:ln w="38100">
+                  <a:solidFill>
+                    <a:schemeClr val="bg1"/>
+                  </a:solidFill>
+                </a:ln>
+              </p:spPr>
+              <p:style>
+                <a:lnRef idx="2">
+                  <a:schemeClr val="accent1">
+                    <a:shade val="50000"/>
+                  </a:schemeClr>
+                </a:lnRef>
+                <a:fillRef idx="1">
+                  <a:schemeClr val="accent1"/>
+                </a:fillRef>
+                <a:effectRef idx="0">
+                  <a:schemeClr val="accent1"/>
+                </a:effectRef>
+                <a:fontRef idx="minor">
+                  <a:schemeClr val="lt1"/>
+                </a:fontRef>
+              </p:style>
+              <p:txBody>
+                <a:bodyPr rtlCol="0" anchor="ctr"/>
+                <a:lstStyle/>
+                <a:p>
+                  <a:pPr algn="ctr"/>
+                  <a:endParaRPr kumimoji="1" lang="ja-JP" altLang="en-US"/>
+                </a:p>
+              </p:txBody>
+            </p:sp>
+          </p:grpSp>
+        </p:grpSp>
+      </p:grpSp>
+      <p:cxnSp>
+        <p:nvCxnSpPr>
+          <p:cNvPr id="40" name="直線コネクタ 39">
+            <a:extLst>
+              <a:ext uri="{FF2B5EF4-FFF2-40B4-BE49-F238E27FC236}">
+                <a16:creationId xmlns:a16="http://schemas.microsoft.com/office/drawing/2014/main" id="{DF245FE4-70BB-4FA2-938E-98A1AD78A450}"/>
+              </a:ext>
+            </a:extLst>
+          </p:cNvPr>
+          <p:cNvCxnSpPr>
+            <a:cxnSpLocks/>
+            <a:stCxn id="27" idx="1"/>
+          </p:cNvCxnSpPr>
+          <p:nvPr/>
+        </p:nvCxnSpPr>
+        <p:spPr>
+          <a:xfrm flipH="1" flipV="1">
+            <a:off x="156733" y="6036879"/>
+            <a:ext cx="442225" cy="643117"/>
+          </a:xfrm>
+          <a:prstGeom prst="line">
+            <a:avLst/>
+          </a:prstGeom>
+          <a:ln w="38100">
+            <a:solidFill>
+              <a:schemeClr val="tx1"/>
+            </a:solidFill>
+          </a:ln>
+        </p:spPr>
+        <p:style>
+          <a:lnRef idx="1">
+            <a:schemeClr val="accent1"/>
+          </a:lnRef>
+          <a:fillRef idx="0">
+            <a:schemeClr val="accent1"/>
+          </a:fillRef>
+          <a:effectRef idx="0">
+            <a:schemeClr val="accent1"/>
+          </a:effectRef>
+          <a:fontRef idx="minor">
+            <a:schemeClr val="tx1"/>
+          </a:fontRef>
+        </p:style>
+      </p:cxnSp>
+      <p:cxnSp>
+        <p:nvCxnSpPr>
+          <p:cNvPr id="42" name="直線コネクタ 41">
+            <a:extLst>
+              <a:ext uri="{FF2B5EF4-FFF2-40B4-BE49-F238E27FC236}">
+                <a16:creationId xmlns:a16="http://schemas.microsoft.com/office/drawing/2014/main" id="{3ED15206-1DB6-4CBF-8619-F499AB7B19C9}"/>
+              </a:ext>
+            </a:extLst>
+          </p:cNvPr>
+          <p:cNvCxnSpPr>
+            <a:cxnSpLocks/>
+          </p:cNvCxnSpPr>
+          <p:nvPr/>
+        </p:nvCxnSpPr>
+        <p:spPr>
+          <a:xfrm flipH="1" flipV="1">
+            <a:off x="336834" y="6931812"/>
+            <a:ext cx="530844" cy="516769"/>
+          </a:xfrm>
+          <a:prstGeom prst="line">
+            <a:avLst/>
+          </a:prstGeom>
+          <a:ln w="38100">
+            <a:solidFill>
+              <a:schemeClr val="tx1"/>
+            </a:solidFill>
+          </a:ln>
+        </p:spPr>
+        <p:style>
+          <a:lnRef idx="1">
+            <a:schemeClr val="accent1"/>
+          </a:lnRef>
+          <a:fillRef idx="0">
+            <a:schemeClr val="accent1"/>
+          </a:fillRef>
+          <a:effectRef idx="0">
+            <a:schemeClr val="accent1"/>
+          </a:effectRef>
+          <a:fontRef idx="minor">
+            <a:schemeClr val="tx1"/>
+          </a:fontRef>
+        </p:style>
+      </p:cxnSp>
+      <p:cxnSp>
+        <p:nvCxnSpPr>
+          <p:cNvPr id="44" name="直線コネクタ 43">
+            <a:extLst>
+              <a:ext uri="{FF2B5EF4-FFF2-40B4-BE49-F238E27FC236}">
+                <a16:creationId xmlns:a16="http://schemas.microsoft.com/office/drawing/2014/main" id="{E1823799-CAF4-424D-9FB9-F3C460484DF3}"/>
+              </a:ext>
+            </a:extLst>
+          </p:cNvPr>
+          <p:cNvCxnSpPr>
+            <a:cxnSpLocks/>
+          </p:cNvCxnSpPr>
+          <p:nvPr/>
+        </p:nvCxnSpPr>
+        <p:spPr>
+          <a:xfrm flipH="1" flipV="1">
+            <a:off x="344051" y="6948014"/>
+            <a:ext cx="846780" cy="494305"/>
+          </a:xfrm>
+          <a:prstGeom prst="line">
+            <a:avLst/>
+          </a:prstGeom>
+          <a:ln w="38100">
+            <a:solidFill>
+              <a:schemeClr val="tx1"/>
+            </a:solidFill>
+          </a:ln>
+        </p:spPr>
+        <p:style>
+          <a:lnRef idx="1">
+            <a:schemeClr val="accent1"/>
+          </a:lnRef>
+          <a:fillRef idx="0">
+            <a:schemeClr val="accent1"/>
+          </a:fillRef>
+          <a:effectRef idx="0">
+            <a:schemeClr val="accent1"/>
+          </a:effectRef>
+          <a:fontRef idx="minor">
+            <a:schemeClr val="tx1"/>
+          </a:fontRef>
+        </p:style>
+      </p:cxnSp>
+      <p:cxnSp>
+        <p:nvCxnSpPr>
+          <p:cNvPr id="46" name="直線コネクタ 45">
+            <a:extLst>
+              <a:ext uri="{FF2B5EF4-FFF2-40B4-BE49-F238E27FC236}">
+                <a16:creationId xmlns:a16="http://schemas.microsoft.com/office/drawing/2014/main" id="{2AA684AF-FF33-4ED0-8021-53C05CCB499E}"/>
+              </a:ext>
+            </a:extLst>
+          </p:cNvPr>
+          <p:cNvCxnSpPr>
+            <a:cxnSpLocks/>
+          </p:cNvCxnSpPr>
+          <p:nvPr/>
+        </p:nvCxnSpPr>
+        <p:spPr>
+          <a:xfrm flipH="1" flipV="1">
+            <a:off x="690610" y="6250802"/>
+            <a:ext cx="364981" cy="429195"/>
+          </a:xfrm>
+          <a:prstGeom prst="line">
+            <a:avLst/>
+          </a:prstGeom>
+          <a:ln w="38100">
+            <a:solidFill>
+              <a:schemeClr val="tx1"/>
+            </a:solidFill>
+          </a:ln>
+        </p:spPr>
+        <p:style>
+          <a:lnRef idx="1">
+            <a:schemeClr val="accent1"/>
+          </a:lnRef>
+          <a:fillRef idx="0">
+            <a:schemeClr val="accent1"/>
+          </a:fillRef>
+          <a:effectRef idx="0">
+            <a:schemeClr val="accent1"/>
+          </a:effectRef>
+          <a:fontRef idx="minor">
+            <a:schemeClr val="tx1"/>
+          </a:fontRef>
+        </p:style>
+      </p:cxnSp>
+      <p:cxnSp>
+        <p:nvCxnSpPr>
+          <p:cNvPr id="48" name="直線コネクタ 47">
+            <a:extLst>
+              <a:ext uri="{FF2B5EF4-FFF2-40B4-BE49-F238E27FC236}">
+                <a16:creationId xmlns:a16="http://schemas.microsoft.com/office/drawing/2014/main" id="{BA4ADB43-5AD8-4B53-9BB7-489F9941AD6D}"/>
+              </a:ext>
+            </a:extLst>
+          </p:cNvPr>
+          <p:cNvCxnSpPr>
+            <a:cxnSpLocks/>
+          </p:cNvCxnSpPr>
+          <p:nvPr/>
+        </p:nvCxnSpPr>
+        <p:spPr>
+          <a:xfrm flipV="1">
+            <a:off x="1390972" y="6267194"/>
+            <a:ext cx="378919" cy="337762"/>
+          </a:xfrm>
+          <a:prstGeom prst="line">
+            <a:avLst/>
+          </a:prstGeom>
+          <a:ln w="38100">
+            <a:solidFill>
+              <a:schemeClr val="tx1"/>
+            </a:solidFill>
+          </a:ln>
+        </p:spPr>
+        <p:style>
+          <a:lnRef idx="1">
+            <a:schemeClr val="accent1"/>
+          </a:lnRef>
+          <a:fillRef idx="0">
+            <a:schemeClr val="accent1"/>
+          </a:fillRef>
+          <a:effectRef idx="0">
+            <a:schemeClr val="accent1"/>
+          </a:effectRef>
+          <a:fontRef idx="minor">
+            <a:schemeClr val="tx1"/>
+          </a:fontRef>
+        </p:style>
+      </p:cxnSp>
+      <p:sp>
+        <p:nvSpPr>
+          <p:cNvPr id="50" name="テキスト ボックス 49">
+            <a:extLst>
+              <a:ext uri="{FF2B5EF4-FFF2-40B4-BE49-F238E27FC236}">
+                <a16:creationId xmlns:a16="http://schemas.microsoft.com/office/drawing/2014/main" id="{1C1A814D-DE47-42CA-B953-4F6DDBC9867A}"/>
+              </a:ext>
+            </a:extLst>
+          </p:cNvPr>
+          <p:cNvSpPr txBox="1"/>
+          <p:nvPr/>
+        </p:nvSpPr>
+        <p:spPr>
+          <a:xfrm>
+            <a:off x="-52081" y="5778819"/>
+            <a:ext cx="429926" cy="338554"/>
+          </a:xfrm>
+          <a:prstGeom prst="rect">
+            <a:avLst/>
+          </a:prstGeom>
+          <a:noFill/>
+        </p:spPr>
+        <p:txBody>
+          <a:bodyPr wrap="none" rtlCol="0">
+            <a:spAutoFit/>
+          </a:bodyPr>
+          <a:lstStyle/>
+          <a:p>
+            <a:r>
+              <a:rPr lang="en-US" altLang="ja-JP" sz="1600" dirty="0">
+                <a:solidFill>
+                  <a:srgbClr val="00B050"/>
+                </a:solidFill>
+                <a:effectLst>
+                  <a:glow rad="76200">
+                    <a:schemeClr val="bg1">
+                      <a:alpha val="80000"/>
+                    </a:schemeClr>
+                  </a:glow>
+                </a:effectLst>
+                <a:latin typeface="HGP創英角ｺﾞｼｯｸUB" panose="020B0900000000000000" pitchFamily="50" charset="-128"/>
+                <a:ea typeface="HGP創英角ｺﾞｼｯｸUB" panose="020B0900000000000000" pitchFamily="50" charset="-128"/>
+              </a:rPr>
+              <a:t>3</a:t>
+            </a:r>
+            <a:r>
+              <a:rPr kumimoji="1" lang="en-US" altLang="ja-JP" sz="1600" dirty="0">
+                <a:solidFill>
+                  <a:srgbClr val="00B050"/>
+                </a:solidFill>
+                <a:effectLst>
+                  <a:glow rad="76200">
+                    <a:schemeClr val="bg1">
+                      <a:alpha val="80000"/>
+                    </a:schemeClr>
+                  </a:glow>
+                </a:effectLst>
+                <a:latin typeface="HGP創英角ｺﾞｼｯｸUB" panose="020B0900000000000000" pitchFamily="50" charset="-128"/>
+                <a:ea typeface="HGP創英角ｺﾞｼｯｸUB" panose="020B0900000000000000" pitchFamily="50" charset="-128"/>
+              </a:rPr>
+              <a:t>P</a:t>
+            </a:r>
+            <a:endParaRPr kumimoji="1" lang="ja-JP" altLang="en-US" sz="1600" dirty="0">
+              <a:solidFill>
+                <a:srgbClr val="00B050"/>
+              </a:solidFill>
+              <a:effectLst>
+                <a:glow rad="76200">
+                  <a:schemeClr val="bg1">
+                    <a:alpha val="80000"/>
+                  </a:schemeClr>
+                </a:glow>
+              </a:effectLst>
+              <a:latin typeface="HGP創英角ｺﾞｼｯｸUB" panose="020B0900000000000000" pitchFamily="50" charset="-128"/>
+              <a:ea typeface="HGP創英角ｺﾞｼｯｸUB" panose="020B0900000000000000" pitchFamily="50" charset="-128"/>
+            </a:endParaRPr>
+          </a:p>
+        </p:txBody>
+      </p:sp>
+      <p:sp>
+        <p:nvSpPr>
+          <p:cNvPr id="51" name="テキスト ボックス 50">
+            <a:extLst>
+              <a:ext uri="{FF2B5EF4-FFF2-40B4-BE49-F238E27FC236}">
+                <a16:creationId xmlns:a16="http://schemas.microsoft.com/office/drawing/2014/main" id="{CE340479-63F8-4200-8C48-8511BE8CA336}"/>
+              </a:ext>
+            </a:extLst>
+          </p:cNvPr>
+          <p:cNvSpPr txBox="1"/>
+          <p:nvPr/>
+        </p:nvSpPr>
+        <p:spPr>
+          <a:xfrm>
+            <a:off x="425077" y="5957370"/>
+            <a:ext cx="429926" cy="338554"/>
+          </a:xfrm>
+          <a:prstGeom prst="rect">
+            <a:avLst/>
+          </a:prstGeom>
+          <a:noFill/>
+        </p:spPr>
+        <p:txBody>
+          <a:bodyPr wrap="none" rtlCol="0">
+            <a:spAutoFit/>
+          </a:bodyPr>
+          <a:lstStyle/>
+          <a:p>
+            <a:r>
+              <a:rPr kumimoji="1" lang="en-US" altLang="ja-JP" sz="1600" dirty="0">
+                <a:solidFill>
+                  <a:srgbClr val="FF0000"/>
+                </a:solidFill>
+                <a:effectLst>
+                  <a:glow rad="76200">
+                    <a:schemeClr val="bg1">
+                      <a:alpha val="80000"/>
+                    </a:schemeClr>
+                  </a:glow>
+                </a:effectLst>
+                <a:latin typeface="HGP創英角ｺﾞｼｯｸUB" panose="020B0900000000000000" pitchFamily="50" charset="-128"/>
+                <a:ea typeface="HGP創英角ｺﾞｼｯｸUB" panose="020B0900000000000000" pitchFamily="50" charset="-128"/>
+              </a:rPr>
+              <a:t>1P</a:t>
+            </a:r>
+            <a:endParaRPr kumimoji="1" lang="ja-JP" altLang="en-US" sz="1600" dirty="0">
+              <a:solidFill>
+                <a:srgbClr val="FF0000"/>
+              </a:solidFill>
+              <a:effectLst>
+                <a:glow rad="76200">
+                  <a:schemeClr val="bg1">
+                    <a:alpha val="80000"/>
+                  </a:schemeClr>
+                </a:glow>
+              </a:effectLst>
+              <a:latin typeface="HGP創英角ｺﾞｼｯｸUB" panose="020B0900000000000000" pitchFamily="50" charset="-128"/>
+              <a:ea typeface="HGP創英角ｺﾞｼｯｸUB" panose="020B0900000000000000" pitchFamily="50" charset="-128"/>
+            </a:endParaRPr>
+          </a:p>
+        </p:txBody>
+      </p:sp>
+      <p:sp>
+        <p:nvSpPr>
+          <p:cNvPr id="52" name="テキスト ボックス 51">
+            <a:extLst>
+              <a:ext uri="{FF2B5EF4-FFF2-40B4-BE49-F238E27FC236}">
+                <a16:creationId xmlns:a16="http://schemas.microsoft.com/office/drawing/2014/main" id="{03AD33D3-C209-4FE1-8AA8-F6DFA7A416DF}"/>
+              </a:ext>
+            </a:extLst>
+          </p:cNvPr>
+          <p:cNvSpPr txBox="1"/>
+          <p:nvPr/>
+        </p:nvSpPr>
+        <p:spPr>
+          <a:xfrm>
+            <a:off x="74253" y="6719348"/>
+            <a:ext cx="429926" cy="338554"/>
+          </a:xfrm>
+          <a:prstGeom prst="rect">
+            <a:avLst/>
+          </a:prstGeom>
+          <a:noFill/>
+        </p:spPr>
+        <p:txBody>
+          <a:bodyPr wrap="none" rtlCol="0">
+            <a:spAutoFit/>
+          </a:bodyPr>
+          <a:lstStyle/>
+          <a:p>
+            <a:r>
+              <a:rPr kumimoji="1" lang="en-US" altLang="ja-JP" sz="1600" dirty="0">
+                <a:solidFill>
+                  <a:schemeClr val="accent1"/>
+                </a:solidFill>
+                <a:effectLst>
+                  <a:glow rad="76200">
+                    <a:schemeClr val="bg1">
+                      <a:alpha val="80000"/>
+                    </a:schemeClr>
+                  </a:glow>
+                </a:effectLst>
+                <a:latin typeface="HGP創英角ｺﾞｼｯｸUB" panose="020B0900000000000000" pitchFamily="50" charset="-128"/>
+                <a:ea typeface="HGP創英角ｺﾞｼｯｸUB" panose="020B0900000000000000" pitchFamily="50" charset="-128"/>
+              </a:rPr>
+              <a:t>2P</a:t>
+            </a:r>
+            <a:endParaRPr kumimoji="1" lang="ja-JP" altLang="en-US" sz="1600" dirty="0">
+              <a:solidFill>
+                <a:schemeClr val="accent1"/>
+              </a:solidFill>
+              <a:effectLst>
+                <a:glow rad="76200">
+                  <a:schemeClr val="bg1">
+                    <a:alpha val="80000"/>
+                  </a:schemeClr>
+                </a:glow>
+              </a:effectLst>
+              <a:latin typeface="HGP創英角ｺﾞｼｯｸUB" panose="020B0900000000000000" pitchFamily="50" charset="-128"/>
+              <a:ea typeface="HGP創英角ｺﾞｼｯｸUB" panose="020B0900000000000000" pitchFamily="50" charset="-128"/>
+            </a:endParaRPr>
+          </a:p>
+        </p:txBody>
+      </p:sp>
+      <p:sp>
+        <p:nvSpPr>
+          <p:cNvPr id="53" name="テキスト ボックス 52">
+            <a:extLst>
+              <a:ext uri="{FF2B5EF4-FFF2-40B4-BE49-F238E27FC236}">
+                <a16:creationId xmlns:a16="http://schemas.microsoft.com/office/drawing/2014/main" id="{B355796D-98F2-44F9-84E6-914A2B998A00}"/>
+              </a:ext>
+            </a:extLst>
+          </p:cNvPr>
+          <p:cNvSpPr txBox="1"/>
+          <p:nvPr/>
+        </p:nvSpPr>
+        <p:spPr>
+          <a:xfrm>
+            <a:off x="1639481" y="6009957"/>
+            <a:ext cx="429926" cy="338554"/>
+          </a:xfrm>
+          <a:prstGeom prst="rect">
+            <a:avLst/>
+          </a:prstGeom>
+          <a:noFill/>
+        </p:spPr>
+        <p:txBody>
+          <a:bodyPr wrap="none" rtlCol="0">
+            <a:spAutoFit/>
+          </a:bodyPr>
+          <a:lstStyle/>
+          <a:p>
+            <a:r>
+              <a:rPr kumimoji="1" lang="en-US" altLang="ja-JP" sz="1600" dirty="0">
+                <a:solidFill>
+                  <a:srgbClr val="FFFF00"/>
+                </a:solidFill>
+                <a:effectLst>
+                  <a:glow rad="76200">
+                    <a:schemeClr val="tx1">
+                      <a:alpha val="80000"/>
+                    </a:schemeClr>
+                  </a:glow>
+                </a:effectLst>
+                <a:latin typeface="HGP創英角ｺﾞｼｯｸUB" panose="020B0900000000000000" pitchFamily="50" charset="-128"/>
+                <a:ea typeface="HGP創英角ｺﾞｼｯｸUB" panose="020B0900000000000000" pitchFamily="50" charset="-128"/>
+              </a:rPr>
+              <a:t>4P</a:t>
+            </a:r>
+            <a:endParaRPr kumimoji="1" lang="ja-JP" altLang="en-US" sz="1600" dirty="0">
+              <a:solidFill>
+                <a:srgbClr val="FFFF00"/>
+              </a:solidFill>
+              <a:effectLst>
+                <a:glow rad="76200">
+                  <a:schemeClr val="tx1">
+                    <a:alpha val="80000"/>
+                  </a:schemeClr>
+                </a:glow>
+              </a:effectLst>
+              <a:latin typeface="HGP創英角ｺﾞｼｯｸUB" panose="020B0900000000000000" pitchFamily="50" charset="-128"/>
+              <a:ea typeface="HGP創英角ｺﾞｼｯｸUB" panose="020B0900000000000000" pitchFamily="50" charset="-128"/>
+            </a:endParaRPr>
+          </a:p>
+        </p:txBody>
+      </p:sp>
+      <p:pic>
+        <p:nvPicPr>
+          <p:cNvPr id="57" name="図 56">
+            <a:extLst>
+              <a:ext uri="{FF2B5EF4-FFF2-40B4-BE49-F238E27FC236}">
+                <a16:creationId xmlns:a16="http://schemas.microsoft.com/office/drawing/2014/main" id="{62988BFA-A6A5-46E2-8D4B-2D88957935BC}"/>
               </a:ext>
             </a:extLst>
           </p:cNvPr>
@@ -4562,7 +6254,7 @@
           <p:nvPr/>
         </p:nvPicPr>
         <p:blipFill>
-          <a:blip r:embed="rId6">
+          <a:blip r:embed="rId9">
             <a:extLst>
               <a:ext uri="{28A0092B-C50C-407E-A947-70E740481C1C}">
                 <a14:useLocalDpi xmlns:a14="http://schemas.microsoft.com/office/drawing/2010/main" val="0"/>
@@ -4575,42 +6267,913 @@
         </p:blipFill>
         <p:spPr>
           <a:xfrm>
-            <a:off x="3766885" y="5045523"/>
-            <a:ext cx="2296024" cy="1447901"/>
+            <a:off x="4923576" y="5471940"/>
+            <a:ext cx="1984003" cy="1588379"/>
+          </a:xfrm>
+          <a:prstGeom prst="rect">
+            <a:avLst/>
+          </a:prstGeom>
+          <a:effectLst>
+            <a:glow rad="127000">
+              <a:srgbClr val="FFFF00">
+                <a:alpha val="70000"/>
+              </a:srgbClr>
+            </a:glow>
+          </a:effectLst>
+        </p:spPr>
+      </p:pic>
+      <p:grpSp>
+        <p:nvGrpSpPr>
+          <p:cNvPr id="73" name="グループ化 72">
+            <a:extLst>
+              <a:ext uri="{FF2B5EF4-FFF2-40B4-BE49-F238E27FC236}">
+                <a16:creationId xmlns:a16="http://schemas.microsoft.com/office/drawing/2014/main" id="{7ADAB973-A653-406C-A8B6-CC6EE3633689}"/>
+              </a:ext>
+            </a:extLst>
+          </p:cNvPr>
+          <p:cNvGrpSpPr/>
+          <p:nvPr/>
+        </p:nvGrpSpPr>
+        <p:grpSpPr>
+          <a:xfrm>
+            <a:off x="3573698" y="5831496"/>
+            <a:ext cx="1237867" cy="1394344"/>
+            <a:chOff x="4034968" y="5584024"/>
+            <a:chExt cx="1237867" cy="1394344"/>
+          </a:xfrm>
+          <a:effectLst>
+            <a:glow rad="76200">
+              <a:srgbClr val="FF0000">
+                <a:alpha val="70000"/>
+              </a:srgbClr>
+            </a:glow>
+          </a:effectLst>
+        </p:grpSpPr>
+        <p:sp>
+          <p:nvSpPr>
+            <p:cNvPr id="59" name="正方形/長方形 58">
+              <a:extLst>
+                <a:ext uri="{FF2B5EF4-FFF2-40B4-BE49-F238E27FC236}">
+                  <a16:creationId xmlns:a16="http://schemas.microsoft.com/office/drawing/2014/main" id="{4FAA2F89-9171-4D02-91A0-BCD925382124}"/>
+                </a:ext>
+              </a:extLst>
+            </p:cNvPr>
+            <p:cNvSpPr/>
+            <p:nvPr/>
+          </p:nvSpPr>
+          <p:spPr>
+            <a:xfrm rot="20806433">
+              <a:off x="4297896" y="6415319"/>
+              <a:ext cx="165813" cy="559026"/>
+            </a:xfrm>
+            <a:prstGeom prst="rect">
+              <a:avLst/>
+            </a:prstGeom>
+            <a:solidFill>
+              <a:srgbClr val="0070C0"/>
+            </a:solidFill>
+            <a:ln w="38100">
+              <a:solidFill>
+                <a:schemeClr val="bg1"/>
+              </a:solidFill>
+            </a:ln>
+          </p:spPr>
+          <p:style>
+            <a:lnRef idx="2">
+              <a:schemeClr val="accent1">
+                <a:shade val="50000"/>
+              </a:schemeClr>
+            </a:lnRef>
+            <a:fillRef idx="1">
+              <a:schemeClr val="accent1"/>
+            </a:fillRef>
+            <a:effectRef idx="0">
+              <a:schemeClr val="accent1"/>
+            </a:effectRef>
+            <a:fontRef idx="minor">
+              <a:schemeClr val="lt1"/>
+            </a:fontRef>
+          </p:style>
+          <p:txBody>
+            <a:bodyPr rtlCol="0" anchor="ctr"/>
+            <a:lstStyle/>
+            <a:p>
+              <a:pPr algn="ctr"/>
+              <a:endParaRPr kumimoji="1" lang="ja-JP" altLang="en-US"/>
+            </a:p>
+          </p:txBody>
+        </p:sp>
+        <p:sp>
+          <p:nvSpPr>
+            <p:cNvPr id="60" name="正方形/長方形 59">
+              <a:extLst>
+                <a:ext uri="{FF2B5EF4-FFF2-40B4-BE49-F238E27FC236}">
+                  <a16:creationId xmlns:a16="http://schemas.microsoft.com/office/drawing/2014/main" id="{F91E765B-B8DD-4FBA-9E4D-FA7EE8A9DD7C}"/>
+                </a:ext>
+              </a:extLst>
+            </p:cNvPr>
+            <p:cNvSpPr/>
+            <p:nvPr/>
+          </p:nvSpPr>
+          <p:spPr>
+            <a:xfrm rot="19924096">
+              <a:off x="4659761" y="6419342"/>
+              <a:ext cx="165813" cy="559026"/>
+            </a:xfrm>
+            <a:prstGeom prst="rect">
+              <a:avLst/>
+            </a:prstGeom>
+            <a:solidFill>
+              <a:srgbClr val="0070C0"/>
+            </a:solidFill>
+            <a:ln w="38100">
+              <a:solidFill>
+                <a:schemeClr val="bg1"/>
+              </a:solidFill>
+            </a:ln>
+          </p:spPr>
+          <p:style>
+            <a:lnRef idx="2">
+              <a:schemeClr val="accent1">
+                <a:shade val="50000"/>
+              </a:schemeClr>
+            </a:lnRef>
+            <a:fillRef idx="1">
+              <a:schemeClr val="accent1"/>
+            </a:fillRef>
+            <a:effectRef idx="0">
+              <a:schemeClr val="accent1"/>
+            </a:effectRef>
+            <a:fontRef idx="minor">
+              <a:schemeClr val="lt1"/>
+            </a:fontRef>
+          </p:style>
+          <p:txBody>
+            <a:bodyPr rtlCol="0" anchor="ctr"/>
+            <a:lstStyle/>
+            <a:p>
+              <a:pPr algn="ctr"/>
+              <a:endParaRPr kumimoji="1" lang="ja-JP" altLang="en-US"/>
+            </a:p>
+          </p:txBody>
+        </p:sp>
+        <p:grpSp>
+          <p:nvGrpSpPr>
+            <p:cNvPr id="61" name="グループ化 60">
+              <a:extLst>
+                <a:ext uri="{FF2B5EF4-FFF2-40B4-BE49-F238E27FC236}">
+                  <a16:creationId xmlns:a16="http://schemas.microsoft.com/office/drawing/2014/main" id="{D7511CC3-F5DC-40EB-AC2A-8F2683C7693B}"/>
+                </a:ext>
+              </a:extLst>
+            </p:cNvPr>
+            <p:cNvGrpSpPr/>
+            <p:nvPr/>
+          </p:nvGrpSpPr>
+          <p:grpSpPr>
+            <a:xfrm rot="2121848">
+              <a:off x="4034968" y="5891874"/>
+              <a:ext cx="165813" cy="584803"/>
+              <a:chOff x="-2909513" y="3037515"/>
+              <a:chExt cx="533400" cy="1881243"/>
+            </a:xfrm>
+          </p:grpSpPr>
+          <p:sp>
+            <p:nvSpPr>
+              <p:cNvPr id="71" name="正方形/長方形 70">
+                <a:extLst>
+                  <a:ext uri="{FF2B5EF4-FFF2-40B4-BE49-F238E27FC236}">
+                    <a16:creationId xmlns:a16="http://schemas.microsoft.com/office/drawing/2014/main" id="{D02A14C3-C8A7-43D2-B652-2BDBE6D5CC59}"/>
+                  </a:ext>
+                </a:extLst>
+              </p:cNvPr>
+              <p:cNvSpPr/>
+              <p:nvPr/>
+            </p:nvSpPr>
+            <p:spPr>
+              <a:xfrm>
+                <a:off x="-2909513" y="3037515"/>
+                <a:ext cx="533400" cy="1346496"/>
+              </a:xfrm>
+              <a:prstGeom prst="rect">
+                <a:avLst/>
+              </a:prstGeom>
+              <a:solidFill>
+                <a:srgbClr val="00B050"/>
+              </a:solidFill>
+              <a:ln w="38100">
+                <a:solidFill>
+                  <a:schemeClr val="bg1"/>
+                </a:solidFill>
+              </a:ln>
+            </p:spPr>
+            <p:style>
+              <a:lnRef idx="2">
+                <a:schemeClr val="accent1">
+                  <a:shade val="50000"/>
+                </a:schemeClr>
+              </a:lnRef>
+              <a:fillRef idx="1">
+                <a:schemeClr val="accent1"/>
+              </a:fillRef>
+              <a:effectRef idx="0">
+                <a:schemeClr val="accent1"/>
+              </a:effectRef>
+              <a:fontRef idx="minor">
+                <a:schemeClr val="lt1"/>
+              </a:fontRef>
+            </p:style>
+            <p:txBody>
+              <a:bodyPr rtlCol="0" anchor="ctr"/>
+              <a:lstStyle/>
+              <a:p>
+                <a:pPr algn="ctr"/>
+                <a:endParaRPr kumimoji="1" lang="ja-JP" altLang="en-US"/>
+              </a:p>
+            </p:txBody>
+          </p:sp>
+          <p:sp>
+            <p:nvSpPr>
+              <p:cNvPr id="72" name="楕円 71">
+                <a:extLst>
+                  <a:ext uri="{FF2B5EF4-FFF2-40B4-BE49-F238E27FC236}">
+                    <a16:creationId xmlns:a16="http://schemas.microsoft.com/office/drawing/2014/main" id="{7763BEAD-E003-43CF-B57C-C9520546BAD7}"/>
+                  </a:ext>
+                </a:extLst>
+              </p:cNvPr>
+              <p:cNvSpPr/>
+              <p:nvPr/>
+            </p:nvSpPr>
+            <p:spPr>
+              <a:xfrm>
+                <a:off x="-2909513" y="4385358"/>
+                <a:ext cx="533400" cy="533400"/>
+              </a:xfrm>
+              <a:prstGeom prst="ellipse">
+                <a:avLst/>
+              </a:prstGeom>
+              <a:solidFill>
+                <a:srgbClr val="00B050"/>
+              </a:solidFill>
+              <a:ln w="38100">
+                <a:solidFill>
+                  <a:schemeClr val="bg1"/>
+                </a:solidFill>
+              </a:ln>
+            </p:spPr>
+            <p:style>
+              <a:lnRef idx="2">
+                <a:schemeClr val="accent1">
+                  <a:shade val="50000"/>
+                </a:schemeClr>
+              </a:lnRef>
+              <a:fillRef idx="1">
+                <a:schemeClr val="accent1"/>
+              </a:fillRef>
+              <a:effectRef idx="0">
+                <a:schemeClr val="accent1"/>
+              </a:effectRef>
+              <a:fontRef idx="minor">
+                <a:schemeClr val="lt1"/>
+              </a:fontRef>
+            </p:style>
+            <p:txBody>
+              <a:bodyPr rtlCol="0" anchor="ctr"/>
+              <a:lstStyle/>
+              <a:p>
+                <a:pPr algn="ctr"/>
+                <a:endParaRPr kumimoji="1" lang="ja-JP" altLang="en-US"/>
+              </a:p>
+            </p:txBody>
+          </p:sp>
+        </p:grpSp>
+        <p:grpSp>
+          <p:nvGrpSpPr>
+            <p:cNvPr id="62" name="グループ化 61">
+              <a:extLst>
+                <a:ext uri="{FF2B5EF4-FFF2-40B4-BE49-F238E27FC236}">
+                  <a16:creationId xmlns:a16="http://schemas.microsoft.com/office/drawing/2014/main" id="{209908C1-9FB5-4ED4-B035-F723A9EC1B75}"/>
+                </a:ext>
+              </a:extLst>
+            </p:cNvPr>
+            <p:cNvGrpSpPr/>
+            <p:nvPr/>
+          </p:nvGrpSpPr>
+          <p:grpSpPr>
+            <a:xfrm rot="15118307">
+              <a:off x="4897527" y="5589108"/>
+              <a:ext cx="165813" cy="584803"/>
+              <a:chOff x="-2909513" y="3037515"/>
+              <a:chExt cx="533400" cy="1881243"/>
+            </a:xfrm>
+          </p:grpSpPr>
+          <p:sp>
+            <p:nvSpPr>
+              <p:cNvPr id="69" name="正方形/長方形 68">
+                <a:extLst>
+                  <a:ext uri="{FF2B5EF4-FFF2-40B4-BE49-F238E27FC236}">
+                    <a16:creationId xmlns:a16="http://schemas.microsoft.com/office/drawing/2014/main" id="{75A00101-1B3F-41E8-8B62-1BC36BC0AA2E}"/>
+                  </a:ext>
+                </a:extLst>
+              </p:cNvPr>
+              <p:cNvSpPr/>
+              <p:nvPr/>
+            </p:nvSpPr>
+            <p:spPr>
+              <a:xfrm>
+                <a:off x="-2909513" y="3037515"/>
+                <a:ext cx="533400" cy="1346496"/>
+              </a:xfrm>
+              <a:prstGeom prst="rect">
+                <a:avLst/>
+              </a:prstGeom>
+              <a:solidFill>
+                <a:srgbClr val="FFFF00"/>
+              </a:solidFill>
+              <a:ln w="38100">
+                <a:solidFill>
+                  <a:schemeClr val="bg1"/>
+                </a:solidFill>
+              </a:ln>
+            </p:spPr>
+            <p:style>
+              <a:lnRef idx="2">
+                <a:schemeClr val="accent1">
+                  <a:shade val="50000"/>
+                </a:schemeClr>
+              </a:lnRef>
+              <a:fillRef idx="1">
+                <a:schemeClr val="accent1"/>
+              </a:fillRef>
+              <a:effectRef idx="0">
+                <a:schemeClr val="accent1"/>
+              </a:effectRef>
+              <a:fontRef idx="minor">
+                <a:schemeClr val="lt1"/>
+              </a:fontRef>
+            </p:style>
+            <p:txBody>
+              <a:bodyPr rtlCol="0" anchor="ctr"/>
+              <a:lstStyle/>
+              <a:p>
+                <a:pPr algn="ctr"/>
+                <a:endParaRPr kumimoji="1" lang="ja-JP" altLang="en-US"/>
+              </a:p>
+            </p:txBody>
+          </p:sp>
+          <p:sp>
+            <p:nvSpPr>
+              <p:cNvPr id="70" name="楕円 69">
+                <a:extLst>
+                  <a:ext uri="{FF2B5EF4-FFF2-40B4-BE49-F238E27FC236}">
+                    <a16:creationId xmlns:a16="http://schemas.microsoft.com/office/drawing/2014/main" id="{43B242C4-FB75-4D25-9A0B-8EC52F911502}"/>
+                  </a:ext>
+                </a:extLst>
+              </p:cNvPr>
+              <p:cNvSpPr/>
+              <p:nvPr/>
+            </p:nvSpPr>
+            <p:spPr>
+              <a:xfrm>
+                <a:off x="-2909513" y="4385358"/>
+                <a:ext cx="533400" cy="533400"/>
+              </a:xfrm>
+              <a:prstGeom prst="ellipse">
+                <a:avLst/>
+              </a:prstGeom>
+              <a:solidFill>
+                <a:srgbClr val="FFFF00"/>
+              </a:solidFill>
+              <a:ln w="38100">
+                <a:solidFill>
+                  <a:schemeClr val="bg1"/>
+                </a:solidFill>
+              </a:ln>
+            </p:spPr>
+            <p:style>
+              <a:lnRef idx="2">
+                <a:schemeClr val="accent1">
+                  <a:shade val="50000"/>
+                </a:schemeClr>
+              </a:lnRef>
+              <a:fillRef idx="1">
+                <a:schemeClr val="accent1"/>
+              </a:fillRef>
+              <a:effectRef idx="0">
+                <a:schemeClr val="accent1"/>
+              </a:effectRef>
+              <a:fontRef idx="minor">
+                <a:schemeClr val="lt1"/>
+              </a:fontRef>
+            </p:style>
+            <p:txBody>
+              <a:bodyPr rtlCol="0" anchor="ctr"/>
+              <a:lstStyle/>
+              <a:p>
+                <a:pPr algn="ctr"/>
+                <a:endParaRPr kumimoji="1" lang="ja-JP" altLang="en-US"/>
+              </a:p>
+            </p:txBody>
+          </p:sp>
+        </p:grpSp>
+        <p:grpSp>
+          <p:nvGrpSpPr>
+            <p:cNvPr id="63" name="グループ化 62">
+              <a:extLst>
+                <a:ext uri="{FF2B5EF4-FFF2-40B4-BE49-F238E27FC236}">
+                  <a16:creationId xmlns:a16="http://schemas.microsoft.com/office/drawing/2014/main" id="{E820E924-39AA-48FE-A0B3-52AB0949345C}"/>
+                </a:ext>
+              </a:extLst>
+            </p:cNvPr>
+            <p:cNvGrpSpPr/>
+            <p:nvPr/>
+          </p:nvGrpSpPr>
+          <p:grpSpPr>
+            <a:xfrm>
+              <a:off x="4197478" y="5584024"/>
+              <a:ext cx="543045" cy="880500"/>
+              <a:chOff x="-2346921" y="2086293"/>
+              <a:chExt cx="1746912" cy="2832465"/>
+            </a:xfrm>
+          </p:grpSpPr>
+          <p:sp>
+            <p:nvSpPr>
+              <p:cNvPr id="64" name="正方形/長方形 63">
+                <a:extLst>
+                  <a:ext uri="{FF2B5EF4-FFF2-40B4-BE49-F238E27FC236}">
+                    <a16:creationId xmlns:a16="http://schemas.microsoft.com/office/drawing/2014/main" id="{99BD86BC-F5FE-42E1-8F80-B2DBC028610D}"/>
+                  </a:ext>
+                </a:extLst>
+              </p:cNvPr>
+              <p:cNvSpPr/>
+              <p:nvPr/>
+            </p:nvSpPr>
+            <p:spPr>
+              <a:xfrm>
+                <a:off x="-2235516" y="3037515"/>
+                <a:ext cx="1502907" cy="1881243"/>
+              </a:xfrm>
+              <a:prstGeom prst="rect">
+                <a:avLst/>
+              </a:prstGeom>
+              <a:solidFill>
+                <a:srgbClr val="FF0000"/>
+              </a:solidFill>
+              <a:ln w="38100">
+                <a:solidFill>
+                  <a:schemeClr val="bg1"/>
+                </a:solidFill>
+              </a:ln>
+            </p:spPr>
+            <p:style>
+              <a:lnRef idx="2">
+                <a:schemeClr val="accent1">
+                  <a:shade val="50000"/>
+                </a:schemeClr>
+              </a:lnRef>
+              <a:fillRef idx="1">
+                <a:schemeClr val="accent1"/>
+              </a:fillRef>
+              <a:effectRef idx="0">
+                <a:schemeClr val="accent1"/>
+              </a:effectRef>
+              <a:fontRef idx="minor">
+                <a:schemeClr val="lt1"/>
+              </a:fontRef>
+            </p:style>
+            <p:txBody>
+              <a:bodyPr rtlCol="0" anchor="ctr"/>
+              <a:lstStyle/>
+              <a:p>
+                <a:pPr algn="ctr"/>
+                <a:endParaRPr kumimoji="1" lang="ja-JP" altLang="en-US"/>
+              </a:p>
+            </p:txBody>
+          </p:sp>
+          <p:grpSp>
+            <p:nvGrpSpPr>
+              <p:cNvPr id="65" name="グループ化 64">
+                <a:extLst>
+                  <a:ext uri="{FF2B5EF4-FFF2-40B4-BE49-F238E27FC236}">
+                    <a16:creationId xmlns:a16="http://schemas.microsoft.com/office/drawing/2014/main" id="{6B58C388-E2C5-47FA-9884-4313D68977E3}"/>
+                  </a:ext>
+                </a:extLst>
+              </p:cNvPr>
+              <p:cNvGrpSpPr/>
+              <p:nvPr/>
+            </p:nvGrpSpPr>
+            <p:grpSpPr>
+              <a:xfrm>
+                <a:off x="-2346921" y="2086293"/>
+                <a:ext cx="1746912" cy="951222"/>
+                <a:chOff x="-2346921" y="2086293"/>
+                <a:chExt cx="1746912" cy="951222"/>
+              </a:xfrm>
+            </p:grpSpPr>
+            <p:sp>
+              <p:nvSpPr>
+                <p:cNvPr id="66" name="正方形/長方形 65">
+                  <a:extLst>
+                    <a:ext uri="{FF2B5EF4-FFF2-40B4-BE49-F238E27FC236}">
+                      <a16:creationId xmlns:a16="http://schemas.microsoft.com/office/drawing/2014/main" id="{013D86EC-C159-4226-A603-37910FD46141}"/>
+                    </a:ext>
+                  </a:extLst>
+                </p:cNvPr>
+                <p:cNvSpPr/>
+                <p:nvPr/>
+              </p:nvSpPr>
+              <p:spPr>
+                <a:xfrm>
+                  <a:off x="-1864604" y="2227452"/>
+                  <a:ext cx="761082" cy="810063"/>
+                </a:xfrm>
+                <a:prstGeom prst="rect">
+                  <a:avLst/>
+                </a:prstGeom>
+                <a:solidFill>
+                  <a:srgbClr val="FF0000"/>
+                </a:solidFill>
+                <a:ln w="38100">
+                  <a:solidFill>
+                    <a:schemeClr val="bg1"/>
+                  </a:solidFill>
+                </a:ln>
+              </p:spPr>
+              <p:style>
+                <a:lnRef idx="2">
+                  <a:schemeClr val="accent1">
+                    <a:shade val="50000"/>
+                  </a:schemeClr>
+                </a:lnRef>
+                <a:fillRef idx="1">
+                  <a:schemeClr val="accent1"/>
+                </a:fillRef>
+                <a:effectRef idx="0">
+                  <a:schemeClr val="accent1"/>
+                </a:effectRef>
+                <a:fontRef idx="minor">
+                  <a:schemeClr val="lt1"/>
+                </a:fontRef>
+              </p:style>
+              <p:txBody>
+                <a:bodyPr rtlCol="0" anchor="ctr"/>
+                <a:lstStyle/>
+                <a:p>
+                  <a:pPr algn="ctr"/>
+                  <a:endParaRPr kumimoji="1" lang="ja-JP" altLang="en-US"/>
+                </a:p>
+              </p:txBody>
+            </p:sp>
+            <p:sp>
+              <p:nvSpPr>
+                <p:cNvPr id="67" name="正方形/長方形 66">
+                  <a:extLst>
+                    <a:ext uri="{FF2B5EF4-FFF2-40B4-BE49-F238E27FC236}">
+                      <a16:creationId xmlns:a16="http://schemas.microsoft.com/office/drawing/2014/main" id="{95ADA041-C16C-497E-8842-FFCF0E0F4206}"/>
+                    </a:ext>
+                  </a:extLst>
+                </p:cNvPr>
+                <p:cNvSpPr/>
+                <p:nvPr/>
+              </p:nvSpPr>
+              <p:spPr>
+                <a:xfrm rot="1800000">
+                  <a:off x="-2346921" y="2086293"/>
+                  <a:ext cx="593721" cy="261959"/>
+                </a:xfrm>
+                <a:prstGeom prst="rect">
+                  <a:avLst/>
+                </a:prstGeom>
+                <a:solidFill>
+                  <a:srgbClr val="FF0000"/>
+                </a:solidFill>
+                <a:ln w="38100">
+                  <a:solidFill>
+                    <a:schemeClr val="bg1"/>
+                  </a:solidFill>
+                </a:ln>
+              </p:spPr>
+              <p:style>
+                <a:lnRef idx="2">
+                  <a:schemeClr val="accent1">
+                    <a:shade val="50000"/>
+                  </a:schemeClr>
+                </a:lnRef>
+                <a:fillRef idx="1">
+                  <a:schemeClr val="accent1"/>
+                </a:fillRef>
+                <a:effectRef idx="0">
+                  <a:schemeClr val="accent1"/>
+                </a:effectRef>
+                <a:fontRef idx="minor">
+                  <a:schemeClr val="lt1"/>
+                </a:fontRef>
+              </p:style>
+              <p:txBody>
+                <a:bodyPr rtlCol="0" anchor="ctr"/>
+                <a:lstStyle/>
+                <a:p>
+                  <a:pPr algn="ctr"/>
+                  <a:endParaRPr kumimoji="1" lang="ja-JP" altLang="en-US"/>
+                </a:p>
+              </p:txBody>
+            </p:sp>
+            <p:sp>
+              <p:nvSpPr>
+                <p:cNvPr id="68" name="正方形/長方形 67">
+                  <a:extLst>
+                    <a:ext uri="{FF2B5EF4-FFF2-40B4-BE49-F238E27FC236}">
+                      <a16:creationId xmlns:a16="http://schemas.microsoft.com/office/drawing/2014/main" id="{B386B1C7-8D0D-442D-B140-B84915F2E438}"/>
+                    </a:ext>
+                  </a:extLst>
+                </p:cNvPr>
+                <p:cNvSpPr/>
+                <p:nvPr/>
+              </p:nvSpPr>
+              <p:spPr>
+                <a:xfrm rot="19800000">
+                  <a:off x="-1193730" y="2086294"/>
+                  <a:ext cx="593721" cy="261959"/>
+                </a:xfrm>
+                <a:prstGeom prst="rect">
+                  <a:avLst/>
+                </a:prstGeom>
+                <a:solidFill>
+                  <a:srgbClr val="FF0000"/>
+                </a:solidFill>
+                <a:ln w="38100">
+                  <a:solidFill>
+                    <a:schemeClr val="bg1"/>
+                  </a:solidFill>
+                </a:ln>
+              </p:spPr>
+              <p:style>
+                <a:lnRef idx="2">
+                  <a:schemeClr val="accent1">
+                    <a:shade val="50000"/>
+                  </a:schemeClr>
+                </a:lnRef>
+                <a:fillRef idx="1">
+                  <a:schemeClr val="accent1"/>
+                </a:fillRef>
+                <a:effectRef idx="0">
+                  <a:schemeClr val="accent1"/>
+                </a:effectRef>
+                <a:fontRef idx="minor">
+                  <a:schemeClr val="lt1"/>
+                </a:fontRef>
+              </p:style>
+              <p:txBody>
+                <a:bodyPr rtlCol="0" anchor="ctr"/>
+                <a:lstStyle/>
+                <a:p>
+                  <a:pPr algn="ctr"/>
+                  <a:endParaRPr kumimoji="1" lang="ja-JP" altLang="en-US"/>
+                </a:p>
+              </p:txBody>
+            </p:sp>
+          </p:grpSp>
+        </p:grpSp>
+      </p:grpSp>
+      <p:sp>
+        <p:nvSpPr>
+          <p:cNvPr id="14" name="四角形: 対角を切り取る 13">
+            <a:extLst>
+              <a:ext uri="{FF2B5EF4-FFF2-40B4-BE49-F238E27FC236}">
+                <a16:creationId xmlns:a16="http://schemas.microsoft.com/office/drawing/2014/main" id="{C80C727C-F0DA-4B10-8281-9536B532B000}"/>
+              </a:ext>
+            </a:extLst>
+          </p:cNvPr>
+          <p:cNvSpPr/>
+          <p:nvPr/>
+        </p:nvSpPr>
+        <p:spPr>
+          <a:xfrm>
+            <a:off x="3440472" y="6664809"/>
+            <a:ext cx="3043551" cy="862041"/>
           </a:xfrm>
           <a:prstGeom prst="snip2DiagRect">
+            <a:avLst>
+              <a:gd name="adj1" fmla="val 0"/>
+              <a:gd name="adj2" fmla="val 0"/>
+            </a:avLst>
+          </a:prstGeom>
+          <a:solidFill>
+            <a:srgbClr val="CCECFF"/>
+          </a:solidFill>
+          <a:ln w="25400">
+            <a:solidFill>
+              <a:schemeClr val="tx1"/>
+            </a:solidFill>
+          </a:ln>
+          <a:effectLst>
+            <a:outerShdw blurRad="50800" dist="38100" dir="2700000" algn="tl" rotWithShape="0">
+              <a:prstClr val="black">
+                <a:alpha val="40000"/>
+              </a:prstClr>
+            </a:outerShdw>
+          </a:effectLst>
+        </p:spPr>
+        <p:style>
+          <a:lnRef idx="3">
+            <a:schemeClr val="lt1"/>
+          </a:lnRef>
+          <a:fillRef idx="1">
+            <a:schemeClr val="accent1"/>
+          </a:fillRef>
+          <a:effectRef idx="1">
+            <a:schemeClr val="accent1"/>
+          </a:effectRef>
+          <a:fontRef idx="minor">
+            <a:schemeClr val="lt1"/>
+          </a:fontRef>
+        </p:style>
+        <p:txBody>
+          <a:bodyPr rtlCol="0" anchor="ctr"/>
+          <a:lstStyle/>
+          <a:p>
+            <a:pPr algn="ctr"/>
+            <a:r>
+              <a:rPr kumimoji="1" lang="ja-JP" altLang="en-US" sz="1600" dirty="0">
+                <a:effectLst>
+                  <a:glow rad="76200">
+                    <a:schemeClr val="tx1"/>
+                  </a:glow>
+                </a:effectLst>
+                <a:latin typeface="HGP創英角ｺﾞｼｯｸUB" panose="020B0900000000000000" pitchFamily="50" charset="-128"/>
+                <a:ea typeface="HGP創英角ｺﾞｼｯｸUB" panose="020B0900000000000000" pitchFamily="50" charset="-128"/>
+              </a:rPr>
+              <a:t>巨大ロボットを上手く動かして</a:t>
+            </a:r>
+            <a:endParaRPr kumimoji="1" lang="en-US" altLang="ja-JP" sz="1600" dirty="0">
+              <a:effectLst>
+                <a:glow rad="76200">
+                  <a:schemeClr val="tx1"/>
+                </a:glow>
+              </a:effectLst>
+              <a:latin typeface="HGP創英角ｺﾞｼｯｸUB" panose="020B0900000000000000" pitchFamily="50" charset="-128"/>
+              <a:ea typeface="HGP創英角ｺﾞｼｯｸUB" panose="020B0900000000000000" pitchFamily="50" charset="-128"/>
+            </a:endParaRPr>
+          </a:p>
+          <a:p>
+            <a:pPr algn="ctr"/>
+            <a:r>
+              <a:rPr kumimoji="1" lang="ja-JP" altLang="en-US" b="1" dirty="0">
+                <a:solidFill>
+                  <a:srgbClr val="FF0000"/>
+                </a:solidFill>
+                <a:effectLst>
+                  <a:glow rad="88900">
+                    <a:srgbClr val="FFFF00"/>
+                  </a:glow>
+                </a:effectLst>
+                <a:latin typeface="HGP創英角ｺﾞｼｯｸUB" panose="020B0900000000000000" pitchFamily="50" charset="-128"/>
+                <a:ea typeface="HGP創英角ｺﾞｼｯｸUB" panose="020B0900000000000000" pitchFamily="50" charset="-128"/>
+              </a:rPr>
+              <a:t>敵を倒せ！</a:t>
+            </a:r>
+            <a:endParaRPr kumimoji="1" lang="ja-JP" altLang="en-US" sz="1600" b="1" dirty="0">
+              <a:solidFill>
+                <a:srgbClr val="FF0000"/>
+              </a:solidFill>
+              <a:effectLst>
+                <a:glow rad="88900">
+                  <a:srgbClr val="FFFF00"/>
+                </a:glow>
+              </a:effectLst>
+              <a:latin typeface="HGP創英角ｺﾞｼｯｸUB" panose="020B0900000000000000" pitchFamily="50" charset="-128"/>
+              <a:ea typeface="HGP創英角ｺﾞｼｯｸUB" panose="020B0900000000000000" pitchFamily="50" charset="-128"/>
+            </a:endParaRPr>
+          </a:p>
+        </p:txBody>
+      </p:sp>
+      <p:pic>
+        <p:nvPicPr>
+          <p:cNvPr id="75" name="図 74">
+            <a:extLst>
+              <a:ext uri="{FF2B5EF4-FFF2-40B4-BE49-F238E27FC236}">
+                <a16:creationId xmlns:a16="http://schemas.microsoft.com/office/drawing/2014/main" id="{F34AA7F5-A89F-426E-AF7A-36921BE443A8}"/>
+              </a:ext>
+            </a:extLst>
+          </p:cNvPr>
+          <p:cNvPicPr>
+            <a:picLocks noChangeAspect="1"/>
+          </p:cNvPicPr>
+          <p:nvPr/>
+        </p:nvPicPr>
+        <p:blipFill rotWithShape="1">
+          <a:blip r:embed="rId10">
+            <a:extLst>
+              <a:ext uri="{28A0092B-C50C-407E-A947-70E740481C1C}">
+                <a14:useLocalDpi xmlns:a14="http://schemas.microsoft.com/office/drawing/2010/main" val="0"/>
+              </a:ext>
+            </a:extLst>
+          </a:blip>
+          <a:srcRect l="19648" r="20432" b="20043"/>
+          <a:stretch/>
+        </p:blipFill>
+        <p:spPr>
+          <a:xfrm rot="5841657">
+            <a:off x="4551503" y="5015452"/>
+            <a:ext cx="1064000" cy="2299913"/>
+          </a:xfrm>
+          <a:prstGeom prst="rect">
             <a:avLst/>
           </a:prstGeom>
-          <a:solidFill>
-            <a:srgbClr val="FFFFFF">
-              <a:shade val="85000"/>
-            </a:srgbClr>
-          </a:solidFill>
-          <a:ln w="88900" cap="sq">
-            <a:solidFill>
-              <a:srgbClr val="FFFFFF"/>
-            </a:solidFill>
-            <a:miter lim="800000"/>
-          </a:ln>
+        </p:spPr>
+      </p:pic>
+      <p:pic>
+        <p:nvPicPr>
+          <p:cNvPr id="77" name="図 76">
+            <a:extLst>
+              <a:ext uri="{FF2B5EF4-FFF2-40B4-BE49-F238E27FC236}">
+                <a16:creationId xmlns:a16="http://schemas.microsoft.com/office/drawing/2014/main" id="{32802730-4680-41A1-B772-73E28A44990D}"/>
+              </a:ext>
+            </a:extLst>
+          </p:cNvPr>
+          <p:cNvPicPr>
+            <a:picLocks noChangeAspect="1"/>
+          </p:cNvPicPr>
+          <p:nvPr/>
+        </p:nvPicPr>
+        <p:blipFill rotWithShape="1">
+          <a:blip r:embed="rId11">
+            <a:extLst>
+              <a:ext uri="{28A0092B-C50C-407E-A947-70E740481C1C}">
+                <a14:useLocalDpi xmlns:a14="http://schemas.microsoft.com/office/drawing/2010/main" val="0"/>
+              </a:ext>
+            </a:extLst>
+          </a:blip>
+          <a:srcRect l="25667" r="23196"/>
+          <a:stretch/>
+        </p:blipFill>
+        <p:spPr>
+          <a:xfrm>
+            <a:off x="297409" y="2161538"/>
+            <a:ext cx="926200" cy="978603"/>
+          </a:xfrm>
+          <a:prstGeom prst="rect">
+            <a:avLst/>
+          </a:prstGeom>
           <a:effectLst>
-            <a:outerShdw blurRad="88900" algn="tl" rotWithShape="0">
-              <a:srgbClr val="000000">
-                <a:alpha val="45000"/>
-              </a:srgbClr>
+            <a:glow rad="63500">
+              <a:schemeClr val="bg1">
+                <a:alpha val="80000"/>
+              </a:schemeClr>
+            </a:glow>
+            <a:outerShdw blurRad="50800" dist="38100" dir="2700000" algn="tl" rotWithShape="0">
+              <a:prstClr val="black">
+                <a:alpha val="40000"/>
+              </a:prstClr>
             </a:outerShdw>
           </a:effectLst>
-          <a:scene3d>
-            <a:camera prst="orthographicFront"/>
-            <a:lightRig rig="twoPt" dir="t">
-              <a:rot lat="0" lon="0" rev="7200000"/>
-            </a:lightRig>
-          </a:scene3d>
-          <a:sp3d>
-            <a:bevelT w="25400" h="19050"/>
-            <a:contourClr>
-              <a:srgbClr val="FFFFFF"/>
-            </a:contourClr>
-          </a:sp3d>
+        </p:spPr>
+      </p:pic>
+      <p:pic>
+        <p:nvPicPr>
+          <p:cNvPr id="79" name="図 78">
+            <a:extLst>
+              <a:ext uri="{FF2B5EF4-FFF2-40B4-BE49-F238E27FC236}">
+                <a16:creationId xmlns:a16="http://schemas.microsoft.com/office/drawing/2014/main" id="{D91247A1-E5E0-471E-88FE-FEAA7317EE7D}"/>
+              </a:ext>
+            </a:extLst>
+          </p:cNvPr>
+          <p:cNvPicPr>
+            <a:picLocks noChangeAspect="1"/>
+          </p:cNvPicPr>
+          <p:nvPr/>
+        </p:nvPicPr>
+        <p:blipFill>
+          <a:blip r:embed="rId12">
+            <a:extLst>
+              <a:ext uri="{28A0092B-C50C-407E-A947-70E740481C1C}">
+                <a14:useLocalDpi xmlns:a14="http://schemas.microsoft.com/office/drawing/2010/main" val="0"/>
+              </a:ext>
+            </a:extLst>
+          </a:blip>
+          <a:stretch>
+            <a:fillRect/>
+          </a:stretch>
+        </p:blipFill>
+        <p:spPr>
+          <a:xfrm>
+            <a:off x="2599476" y="2270678"/>
+            <a:ext cx="819401" cy="574804"/>
+          </a:xfrm>
+          <a:prstGeom prst="rect">
+            <a:avLst/>
+          </a:prstGeom>
+          <a:effectLst>
+            <a:glow rad="76200">
+              <a:schemeClr val="bg1">
+                <a:alpha val="80000"/>
+              </a:schemeClr>
+            </a:glow>
+            <a:outerShdw blurRad="50800" dist="38100" dir="2700000" algn="tl" rotWithShape="0">
+              <a:prstClr val="black">
+                <a:alpha val="40000"/>
+              </a:prstClr>
+            </a:outerShdw>
+          </a:effectLst>
         </p:spPr>
       </p:pic>
     </p:spTree>
